--- a/Dokumente/Abschluss/Präsentation.pptx
+++ b/Dokumente/Abschluss/Präsentation.pptx
@@ -8,10 +8,11 @@
     <p:sldId id="257" r:id="rId2"/>
     <p:sldId id="275" r:id="rId3"/>
     <p:sldId id="274" r:id="rId4"/>
-    <p:sldId id="272" r:id="rId5"/>
-    <p:sldId id="273" r:id="rId6"/>
-    <p:sldId id="276" r:id="rId7"/>
-    <p:sldId id="277" r:id="rId8"/>
+    <p:sldId id="278" r:id="rId5"/>
+    <p:sldId id="272" r:id="rId6"/>
+    <p:sldId id="273" r:id="rId7"/>
+    <p:sldId id="276" r:id="rId8"/>
+    <p:sldId id="277" r:id="rId9"/>
   </p:sldIdLst>
   <p:sldSz cx="12192000" cy="6858000"/>
   <p:notesSz cx="6858000" cy="9144000"/>
@@ -110,6 +111,11 @@
       </a:defRPr>
     </a:lvl9pPr>
   </p:defaultTextStyle>
+  <p:extLst>
+    <p:ext uri="{EFAFB233-063F-42B5-8137-9DF3F51BA10A}">
+      <p15:sldGuideLst xmlns:p15="http://schemas.microsoft.com/office/powerpoint/2012/main"/>
+    </p:ext>
+  </p:extLst>
 </p:presentation>
 </file>
 
@@ -260,7 +266,7 @@
           <a:p>
             <a:fld id="{4E8BA868-D81B-4F26-A41C-24BC2A794736}" type="datetimeFigureOut">
               <a:rPr lang="de-DE" smtClean="0"/>
-              <a:t>15.03.2019</a:t>
+              <a:t>17.03.2019</a:t>
             </a:fld>
             <a:endParaRPr lang="de-DE"/>
           </a:p>
@@ -458,7 +464,7 @@
           <a:p>
             <a:fld id="{4E8BA868-D81B-4F26-A41C-24BC2A794736}" type="datetimeFigureOut">
               <a:rPr lang="de-DE" smtClean="0"/>
-              <a:t>15.03.2019</a:t>
+              <a:t>17.03.2019</a:t>
             </a:fld>
             <a:endParaRPr lang="de-DE"/>
           </a:p>
@@ -666,7 +672,7 @@
           <a:p>
             <a:fld id="{4E8BA868-D81B-4F26-A41C-24BC2A794736}" type="datetimeFigureOut">
               <a:rPr lang="de-DE" smtClean="0"/>
-              <a:t>15.03.2019</a:t>
+              <a:t>17.03.2019</a:t>
             </a:fld>
             <a:endParaRPr lang="de-DE"/>
           </a:p>
@@ -864,7 +870,7 @@
           <a:p>
             <a:fld id="{4E8BA868-D81B-4F26-A41C-24BC2A794736}" type="datetimeFigureOut">
               <a:rPr lang="de-DE" smtClean="0"/>
-              <a:t>15.03.2019</a:t>
+              <a:t>17.03.2019</a:t>
             </a:fld>
             <a:endParaRPr lang="de-DE"/>
           </a:p>
@@ -1139,7 +1145,7 @@
           <a:p>
             <a:fld id="{4E8BA868-D81B-4F26-A41C-24BC2A794736}" type="datetimeFigureOut">
               <a:rPr lang="de-DE" smtClean="0"/>
-              <a:t>15.03.2019</a:t>
+              <a:t>17.03.2019</a:t>
             </a:fld>
             <a:endParaRPr lang="de-DE"/>
           </a:p>
@@ -1404,7 +1410,7 @@
           <a:p>
             <a:fld id="{4E8BA868-D81B-4F26-A41C-24BC2A794736}" type="datetimeFigureOut">
               <a:rPr lang="de-DE" smtClean="0"/>
-              <a:t>15.03.2019</a:t>
+              <a:t>17.03.2019</a:t>
             </a:fld>
             <a:endParaRPr lang="de-DE"/>
           </a:p>
@@ -1816,7 +1822,7 @@
           <a:p>
             <a:fld id="{4E8BA868-D81B-4F26-A41C-24BC2A794736}" type="datetimeFigureOut">
               <a:rPr lang="de-DE" smtClean="0"/>
-              <a:t>15.03.2019</a:t>
+              <a:t>17.03.2019</a:t>
             </a:fld>
             <a:endParaRPr lang="de-DE"/>
           </a:p>
@@ -1957,7 +1963,7 @@
           <a:p>
             <a:fld id="{4E8BA868-D81B-4F26-A41C-24BC2A794736}" type="datetimeFigureOut">
               <a:rPr lang="de-DE" smtClean="0"/>
-              <a:t>15.03.2019</a:t>
+              <a:t>17.03.2019</a:t>
             </a:fld>
             <a:endParaRPr lang="de-DE"/>
           </a:p>
@@ -2070,7 +2076,7 @@
           <a:p>
             <a:fld id="{4E8BA868-D81B-4F26-A41C-24BC2A794736}" type="datetimeFigureOut">
               <a:rPr lang="de-DE" smtClean="0"/>
-              <a:t>15.03.2019</a:t>
+              <a:t>17.03.2019</a:t>
             </a:fld>
             <a:endParaRPr lang="de-DE"/>
           </a:p>
@@ -2381,7 +2387,7 @@
           <a:p>
             <a:fld id="{4E8BA868-D81B-4F26-A41C-24BC2A794736}" type="datetimeFigureOut">
               <a:rPr lang="de-DE" smtClean="0"/>
-              <a:t>15.03.2019</a:t>
+              <a:t>17.03.2019</a:t>
             </a:fld>
             <a:endParaRPr lang="de-DE"/>
           </a:p>
@@ -2669,7 +2675,7 @@
           <a:p>
             <a:fld id="{4E8BA868-D81B-4F26-A41C-24BC2A794736}" type="datetimeFigureOut">
               <a:rPr lang="de-DE" smtClean="0"/>
-              <a:t>15.03.2019</a:t>
+              <a:t>17.03.2019</a:t>
             </a:fld>
             <a:endParaRPr lang="de-DE"/>
           </a:p>
@@ -2910,7 +2916,7 @@
           <a:p>
             <a:fld id="{4E8BA868-D81B-4F26-A41C-24BC2A794736}" type="datetimeFigureOut">
               <a:rPr lang="de-DE" smtClean="0"/>
-              <a:t>15.03.2019</a:t>
+              <a:t>17.03.2019</a:t>
             </a:fld>
             <a:endParaRPr lang="de-DE"/>
           </a:p>
@@ -4964,6 +4970,336 @@
           </a:p>
         </p:txBody>
       </p:sp>
+      <p:grpSp>
+        <p:nvGrpSpPr>
+          <p:cNvPr id="4" name="Gruppieren 3">
+            <a:extLst>
+              <a:ext uri="{FF2B5EF4-FFF2-40B4-BE49-F238E27FC236}">
+                <a16:creationId xmlns:a16="http://schemas.microsoft.com/office/drawing/2014/main" id="{F3423D04-1826-4C1F-9B41-D18996569C6F}"/>
+              </a:ext>
+            </a:extLst>
+          </p:cNvPr>
+          <p:cNvGrpSpPr/>
+          <p:nvPr/>
+        </p:nvGrpSpPr>
+        <p:grpSpPr>
+          <a:xfrm>
+            <a:off x="5315964" y="1373937"/>
+            <a:ext cx="1800000" cy="2134708"/>
+            <a:chOff x="5315964" y="1373937"/>
+            <a:chExt cx="1800000" cy="2134708"/>
+          </a:xfrm>
+        </p:grpSpPr>
+        <p:sp>
+          <p:nvSpPr>
+            <p:cNvPr id="2" name="Bogen 1">
+              <a:extLst>
+                <a:ext uri="{FF2B5EF4-FFF2-40B4-BE49-F238E27FC236}">
+                  <a16:creationId xmlns:a16="http://schemas.microsoft.com/office/drawing/2014/main" id="{DEFFEECD-909C-4CFB-A703-29EF59F2CB34}"/>
+                </a:ext>
+              </a:extLst>
+            </p:cNvPr>
+            <p:cNvSpPr/>
+            <p:nvPr/>
+          </p:nvSpPr>
+          <p:spPr>
+            <a:xfrm rot="-2700000">
+              <a:off x="5315964" y="1708645"/>
+              <a:ext cx="1800000" cy="1800000"/>
+            </a:xfrm>
+            <a:prstGeom prst="arc">
+              <a:avLst>
+                <a:gd name="adj1" fmla="val 15476377"/>
+                <a:gd name="adj2" fmla="val 982794"/>
+              </a:avLst>
+            </a:prstGeom>
+            <a:ln w="19050">
+              <a:solidFill>
+                <a:srgbClr val="FF0000"/>
+              </a:solidFill>
+              <a:tailEnd type="triangle"/>
+            </a:ln>
+          </p:spPr>
+          <p:style>
+            <a:lnRef idx="1">
+              <a:schemeClr val="accent1"/>
+            </a:lnRef>
+            <a:fillRef idx="0">
+              <a:schemeClr val="accent1"/>
+            </a:fillRef>
+            <a:effectRef idx="0">
+              <a:schemeClr val="accent1"/>
+            </a:effectRef>
+            <a:fontRef idx="minor">
+              <a:schemeClr val="tx1"/>
+            </a:fontRef>
+          </p:style>
+          <p:txBody>
+            <a:bodyPr rtlCol="0" anchor="ctr"/>
+            <a:lstStyle/>
+            <a:p>
+              <a:pPr algn="ctr"/>
+              <a:endParaRPr lang="de-DE" dirty="0"/>
+            </a:p>
+          </p:txBody>
+        </p:sp>
+        <p:sp>
+          <p:nvSpPr>
+            <p:cNvPr id="3" name="Textfeld 2">
+              <a:extLst>
+                <a:ext uri="{FF2B5EF4-FFF2-40B4-BE49-F238E27FC236}">
+                  <a16:creationId xmlns:a16="http://schemas.microsoft.com/office/drawing/2014/main" id="{D68DE2CF-4104-4AEA-9D43-1D8BA9E4E51E}"/>
+                </a:ext>
+              </a:extLst>
+            </p:cNvPr>
+            <p:cNvSpPr txBox="1"/>
+            <p:nvPr/>
+          </p:nvSpPr>
+          <p:spPr>
+            <a:xfrm>
+              <a:off x="6064013" y="1373937"/>
+              <a:ext cx="300082" cy="369332"/>
+            </a:xfrm>
+            <a:prstGeom prst="rect">
+              <a:avLst/>
+            </a:prstGeom>
+            <a:noFill/>
+          </p:spPr>
+          <p:txBody>
+            <a:bodyPr wrap="none" rtlCol="0">
+              <a:spAutoFit/>
+            </a:bodyPr>
+            <a:lstStyle/>
+            <a:p>
+              <a:r>
+                <a:rPr lang="de-DE" b="1" dirty="0">
+                  <a:solidFill>
+                    <a:srgbClr val="FF0000"/>
+                  </a:solidFill>
+                </a:rPr>
+                <a:t>&lt;</a:t>
+              </a:r>
+            </a:p>
+          </p:txBody>
+        </p:sp>
+      </p:grpSp>
+      <p:grpSp>
+        <p:nvGrpSpPr>
+          <p:cNvPr id="32" name="Gruppieren 31">
+            <a:extLst>
+              <a:ext uri="{FF2B5EF4-FFF2-40B4-BE49-F238E27FC236}">
+                <a16:creationId xmlns:a16="http://schemas.microsoft.com/office/drawing/2014/main" id="{FB2BAB95-EDED-431F-A96C-3A3682ACCB35}"/>
+              </a:ext>
+            </a:extLst>
+          </p:cNvPr>
+          <p:cNvGrpSpPr/>
+          <p:nvPr/>
+        </p:nvGrpSpPr>
+        <p:grpSpPr>
+          <a:xfrm>
+            <a:off x="5314054" y="3554416"/>
+            <a:ext cx="1800000" cy="2134708"/>
+            <a:chOff x="5315964" y="1373937"/>
+            <a:chExt cx="1800000" cy="2134708"/>
+          </a:xfrm>
+        </p:grpSpPr>
+        <p:sp>
+          <p:nvSpPr>
+            <p:cNvPr id="33" name="Bogen 32">
+              <a:extLst>
+                <a:ext uri="{FF2B5EF4-FFF2-40B4-BE49-F238E27FC236}">
+                  <a16:creationId xmlns:a16="http://schemas.microsoft.com/office/drawing/2014/main" id="{CF5F2B8E-BCDC-4433-9F0B-DFA160B24CD2}"/>
+                </a:ext>
+              </a:extLst>
+            </p:cNvPr>
+            <p:cNvSpPr/>
+            <p:nvPr/>
+          </p:nvSpPr>
+          <p:spPr>
+            <a:xfrm rot="-2700000">
+              <a:off x="5315964" y="1708645"/>
+              <a:ext cx="1800000" cy="1800000"/>
+            </a:xfrm>
+            <a:prstGeom prst="arc">
+              <a:avLst>
+                <a:gd name="adj1" fmla="val 15476377"/>
+                <a:gd name="adj2" fmla="val 982794"/>
+              </a:avLst>
+            </a:prstGeom>
+            <a:ln w="19050">
+              <a:solidFill>
+                <a:srgbClr val="FF0000"/>
+              </a:solidFill>
+              <a:tailEnd type="triangle"/>
+            </a:ln>
+          </p:spPr>
+          <p:style>
+            <a:lnRef idx="1">
+              <a:schemeClr val="accent1"/>
+            </a:lnRef>
+            <a:fillRef idx="0">
+              <a:schemeClr val="accent1"/>
+            </a:fillRef>
+            <a:effectRef idx="0">
+              <a:schemeClr val="accent1"/>
+            </a:effectRef>
+            <a:fontRef idx="minor">
+              <a:schemeClr val="tx1"/>
+            </a:fontRef>
+          </p:style>
+          <p:txBody>
+            <a:bodyPr rtlCol="0" anchor="ctr"/>
+            <a:lstStyle/>
+            <a:p>
+              <a:pPr algn="ctr"/>
+              <a:endParaRPr lang="de-DE" dirty="0"/>
+            </a:p>
+          </p:txBody>
+        </p:sp>
+        <p:sp>
+          <p:nvSpPr>
+            <p:cNvPr id="34" name="Textfeld 33">
+              <a:extLst>
+                <a:ext uri="{FF2B5EF4-FFF2-40B4-BE49-F238E27FC236}">
+                  <a16:creationId xmlns:a16="http://schemas.microsoft.com/office/drawing/2014/main" id="{0AA50769-7DBE-4124-B487-EC64A99DB37B}"/>
+                </a:ext>
+              </a:extLst>
+            </p:cNvPr>
+            <p:cNvSpPr txBox="1"/>
+            <p:nvPr/>
+          </p:nvSpPr>
+          <p:spPr>
+            <a:xfrm>
+              <a:off x="6064013" y="1373937"/>
+              <a:ext cx="300082" cy="369332"/>
+            </a:xfrm>
+            <a:prstGeom prst="rect">
+              <a:avLst/>
+            </a:prstGeom>
+            <a:noFill/>
+          </p:spPr>
+          <p:txBody>
+            <a:bodyPr wrap="none" rtlCol="0">
+              <a:spAutoFit/>
+            </a:bodyPr>
+            <a:lstStyle/>
+            <a:p>
+              <a:r>
+                <a:rPr lang="de-DE" b="1" dirty="0">
+                  <a:solidFill>
+                    <a:srgbClr val="FF0000"/>
+                  </a:solidFill>
+                </a:rPr>
+                <a:t>&lt;</a:t>
+              </a:r>
+            </a:p>
+          </p:txBody>
+        </p:sp>
+      </p:grpSp>
+      <p:sp>
+        <p:nvSpPr>
+          <p:cNvPr id="5" name="Ellipse 4">
+            <a:extLst>
+              <a:ext uri="{FF2B5EF4-FFF2-40B4-BE49-F238E27FC236}">
+                <a16:creationId xmlns:a16="http://schemas.microsoft.com/office/drawing/2014/main" id="{8C77D7B8-5F6D-4192-BEE6-4E7EC6D50BC7}"/>
+              </a:ext>
+            </a:extLst>
+          </p:cNvPr>
+          <p:cNvSpPr/>
+          <p:nvPr/>
+        </p:nvSpPr>
+        <p:spPr>
+          <a:xfrm rot="-2700000">
+            <a:off x="3988920" y="2206525"/>
+            <a:ext cx="2060341" cy="1301082"/>
+          </a:xfrm>
+          <a:prstGeom prst="ellipse">
+            <a:avLst/>
+          </a:prstGeom>
+          <a:noFill/>
+          <a:ln w="25400">
+            <a:solidFill>
+              <a:srgbClr val="FFC000"/>
+            </a:solidFill>
+          </a:ln>
+        </p:spPr>
+        <p:style>
+          <a:lnRef idx="2">
+            <a:schemeClr val="accent1">
+              <a:shade val="50000"/>
+            </a:schemeClr>
+          </a:lnRef>
+          <a:fillRef idx="1">
+            <a:schemeClr val="accent1"/>
+          </a:fillRef>
+          <a:effectRef idx="0">
+            <a:schemeClr val="accent1"/>
+          </a:effectRef>
+          <a:fontRef idx="minor">
+            <a:schemeClr val="lt1"/>
+          </a:fontRef>
+        </p:style>
+        <p:txBody>
+          <a:bodyPr rtlCol="0" anchor="ctr"/>
+          <a:lstStyle/>
+          <a:p>
+            <a:pPr algn="ctr"/>
+            <a:endParaRPr lang="de-DE"/>
+          </a:p>
+        </p:txBody>
+      </p:sp>
+      <p:sp>
+        <p:nvSpPr>
+          <p:cNvPr id="35" name="Ellipse 34">
+            <a:extLst>
+              <a:ext uri="{FF2B5EF4-FFF2-40B4-BE49-F238E27FC236}">
+                <a16:creationId xmlns:a16="http://schemas.microsoft.com/office/drawing/2014/main" id="{6A030DC7-812E-4602-A1C6-57ADEB827C2E}"/>
+              </a:ext>
+            </a:extLst>
+          </p:cNvPr>
+          <p:cNvSpPr/>
+          <p:nvPr/>
+        </p:nvSpPr>
+        <p:spPr>
+          <a:xfrm rot="-2700000">
+            <a:off x="6147693" y="4377299"/>
+            <a:ext cx="2060341" cy="1301082"/>
+          </a:xfrm>
+          <a:prstGeom prst="ellipse">
+            <a:avLst/>
+          </a:prstGeom>
+          <a:noFill/>
+          <a:ln w="25400">
+            <a:solidFill>
+              <a:srgbClr val="FFC000"/>
+            </a:solidFill>
+          </a:ln>
+        </p:spPr>
+        <p:style>
+          <a:lnRef idx="2">
+            <a:schemeClr val="accent1">
+              <a:shade val="50000"/>
+            </a:schemeClr>
+          </a:lnRef>
+          <a:fillRef idx="1">
+            <a:schemeClr val="accent1"/>
+          </a:fillRef>
+          <a:effectRef idx="0">
+            <a:schemeClr val="accent1"/>
+          </a:effectRef>
+          <a:fontRef idx="minor">
+            <a:schemeClr val="lt1"/>
+          </a:fontRef>
+        </p:style>
+        <p:txBody>
+          <a:bodyPr rtlCol="0" anchor="ctr"/>
+          <a:lstStyle/>
+          <a:p>
+            <a:pPr algn="ctr"/>
+            <a:endParaRPr lang="de-DE"/>
+          </a:p>
+        </p:txBody>
+      </p:sp>
     </p:spTree>
     <p:extLst>
       <p:ext uri="{BB962C8B-B14F-4D97-AF65-F5344CB8AC3E}">
@@ -5304,6 +5640,288 @@
                                         <p:cTn id="32" dur="500"/>
                                         <p:tgtEl>
                                           <p:spTgt spid="24"/>
+                                        </p:tgtEl>
+                                      </p:cBhvr>
+                                    </p:animEffect>
+                                  </p:childTnLst>
+                                </p:cTn>
+                              </p:par>
+                            </p:childTnLst>
+                          </p:cTn>
+                        </p:par>
+                      </p:childTnLst>
+                    </p:cTn>
+                  </p:par>
+                  <p:par>
+                    <p:cTn id="33" fill="hold">
+                      <p:stCondLst>
+                        <p:cond delay="indefinite"/>
+                      </p:stCondLst>
+                      <p:childTnLst>
+                        <p:par>
+                          <p:cTn id="34" fill="hold">
+                            <p:stCondLst>
+                              <p:cond delay="0"/>
+                            </p:stCondLst>
+                            <p:childTnLst>
+                              <p:par>
+                                <p:cTn id="35" presetID="10" presetClass="entr" presetSubtype="0" fill="hold" nodeType="clickEffect">
+                                  <p:stCondLst>
+                                    <p:cond delay="0"/>
+                                  </p:stCondLst>
+                                  <p:childTnLst>
+                                    <p:set>
+                                      <p:cBhvr>
+                                        <p:cTn id="36" dur="1" fill="hold">
+                                          <p:stCondLst>
+                                            <p:cond delay="0"/>
+                                          </p:stCondLst>
+                                        </p:cTn>
+                                        <p:tgtEl>
+                                          <p:spTgt spid="4"/>
+                                        </p:tgtEl>
+                                        <p:attrNameLst>
+                                          <p:attrName>style.visibility</p:attrName>
+                                        </p:attrNameLst>
+                                      </p:cBhvr>
+                                      <p:to>
+                                        <p:strVal val="visible"/>
+                                      </p:to>
+                                    </p:set>
+                                    <p:animEffect transition="in" filter="fade">
+                                      <p:cBhvr>
+                                        <p:cTn id="37" dur="500"/>
+                                        <p:tgtEl>
+                                          <p:spTgt spid="4"/>
+                                        </p:tgtEl>
+                                      </p:cBhvr>
+                                    </p:animEffect>
+                                  </p:childTnLst>
+                                </p:cTn>
+                              </p:par>
+                            </p:childTnLst>
+                          </p:cTn>
+                        </p:par>
+                      </p:childTnLst>
+                    </p:cTn>
+                  </p:par>
+                  <p:par>
+                    <p:cTn id="38" fill="hold">
+                      <p:stCondLst>
+                        <p:cond delay="indefinite"/>
+                      </p:stCondLst>
+                      <p:childTnLst>
+                        <p:par>
+                          <p:cTn id="39" fill="hold">
+                            <p:stCondLst>
+                              <p:cond delay="0"/>
+                            </p:stCondLst>
+                            <p:childTnLst>
+                              <p:par>
+                                <p:cTn id="40" presetID="10" presetClass="entr" presetSubtype="0" fill="hold" nodeType="clickEffect">
+                                  <p:stCondLst>
+                                    <p:cond delay="0"/>
+                                  </p:stCondLst>
+                                  <p:childTnLst>
+                                    <p:set>
+                                      <p:cBhvr>
+                                        <p:cTn id="41" dur="1" fill="hold">
+                                          <p:stCondLst>
+                                            <p:cond delay="0"/>
+                                          </p:stCondLst>
+                                        </p:cTn>
+                                        <p:tgtEl>
+                                          <p:spTgt spid="32"/>
+                                        </p:tgtEl>
+                                        <p:attrNameLst>
+                                          <p:attrName>style.visibility</p:attrName>
+                                        </p:attrNameLst>
+                                      </p:cBhvr>
+                                      <p:to>
+                                        <p:strVal val="visible"/>
+                                      </p:to>
+                                    </p:set>
+                                    <p:animEffect transition="in" filter="fade">
+                                      <p:cBhvr>
+                                        <p:cTn id="42" dur="500"/>
+                                        <p:tgtEl>
+                                          <p:spTgt spid="32"/>
+                                        </p:tgtEl>
+                                      </p:cBhvr>
+                                    </p:animEffect>
+                                  </p:childTnLst>
+                                </p:cTn>
+                              </p:par>
+                            </p:childTnLst>
+                          </p:cTn>
+                        </p:par>
+                      </p:childTnLst>
+                    </p:cTn>
+                  </p:par>
+                  <p:par>
+                    <p:cTn id="43" fill="hold">
+                      <p:stCondLst>
+                        <p:cond delay="indefinite"/>
+                      </p:stCondLst>
+                      <p:childTnLst>
+                        <p:par>
+                          <p:cTn id="44" fill="hold">
+                            <p:stCondLst>
+                              <p:cond delay="0"/>
+                            </p:stCondLst>
+                            <p:childTnLst>
+                              <p:par>
+                                <p:cTn id="45" presetID="10" presetClass="exit" presetSubtype="0" fill="hold" nodeType="clickEffect">
+                                  <p:stCondLst>
+                                    <p:cond delay="0"/>
+                                  </p:stCondLst>
+                                  <p:childTnLst>
+                                    <p:animEffect transition="out" filter="fade">
+                                      <p:cBhvr>
+                                        <p:cTn id="46" dur="500"/>
+                                        <p:tgtEl>
+                                          <p:spTgt spid="4"/>
+                                        </p:tgtEl>
+                                      </p:cBhvr>
+                                    </p:animEffect>
+                                    <p:set>
+                                      <p:cBhvr>
+                                        <p:cTn id="47" dur="1" fill="hold">
+                                          <p:stCondLst>
+                                            <p:cond delay="499"/>
+                                          </p:stCondLst>
+                                        </p:cTn>
+                                        <p:tgtEl>
+                                          <p:spTgt spid="4"/>
+                                        </p:tgtEl>
+                                        <p:attrNameLst>
+                                          <p:attrName>style.visibility</p:attrName>
+                                        </p:attrNameLst>
+                                      </p:cBhvr>
+                                      <p:to>
+                                        <p:strVal val="hidden"/>
+                                      </p:to>
+                                    </p:set>
+                                  </p:childTnLst>
+                                </p:cTn>
+                              </p:par>
+                              <p:par>
+                                <p:cTn id="48" presetID="10" presetClass="exit" presetSubtype="0" fill="hold" nodeType="withEffect">
+                                  <p:stCondLst>
+                                    <p:cond delay="0"/>
+                                  </p:stCondLst>
+                                  <p:childTnLst>
+                                    <p:animEffect transition="out" filter="fade">
+                                      <p:cBhvr>
+                                        <p:cTn id="49" dur="500"/>
+                                        <p:tgtEl>
+                                          <p:spTgt spid="32"/>
+                                        </p:tgtEl>
+                                      </p:cBhvr>
+                                    </p:animEffect>
+                                    <p:set>
+                                      <p:cBhvr>
+                                        <p:cTn id="50" dur="1" fill="hold">
+                                          <p:stCondLst>
+                                            <p:cond delay="499"/>
+                                          </p:stCondLst>
+                                        </p:cTn>
+                                        <p:tgtEl>
+                                          <p:spTgt spid="32"/>
+                                        </p:tgtEl>
+                                        <p:attrNameLst>
+                                          <p:attrName>style.visibility</p:attrName>
+                                        </p:attrNameLst>
+                                      </p:cBhvr>
+                                      <p:to>
+                                        <p:strVal val="hidden"/>
+                                      </p:to>
+                                    </p:set>
+                                  </p:childTnLst>
+                                </p:cTn>
+                              </p:par>
+                              <p:par>
+                                <p:cTn id="51" presetID="10" presetClass="entr" presetSubtype="0" fill="hold" grpId="0" nodeType="withEffect">
+                                  <p:stCondLst>
+                                    <p:cond delay="0"/>
+                                  </p:stCondLst>
+                                  <p:childTnLst>
+                                    <p:set>
+                                      <p:cBhvr>
+                                        <p:cTn id="52" dur="1" fill="hold">
+                                          <p:stCondLst>
+                                            <p:cond delay="0"/>
+                                          </p:stCondLst>
+                                        </p:cTn>
+                                        <p:tgtEl>
+                                          <p:spTgt spid="5"/>
+                                        </p:tgtEl>
+                                        <p:attrNameLst>
+                                          <p:attrName>style.visibility</p:attrName>
+                                        </p:attrNameLst>
+                                      </p:cBhvr>
+                                      <p:to>
+                                        <p:strVal val="visible"/>
+                                      </p:to>
+                                    </p:set>
+                                    <p:animEffect transition="in" filter="fade">
+                                      <p:cBhvr>
+                                        <p:cTn id="53" dur="500"/>
+                                        <p:tgtEl>
+                                          <p:spTgt spid="5"/>
+                                        </p:tgtEl>
+                                      </p:cBhvr>
+                                    </p:animEffect>
+                                  </p:childTnLst>
+                                </p:cTn>
+                              </p:par>
+                            </p:childTnLst>
+                          </p:cTn>
+                        </p:par>
+                      </p:childTnLst>
+                    </p:cTn>
+                  </p:par>
+                  <p:par>
+                    <p:cTn id="54" fill="hold">
+                      <p:stCondLst>
+                        <p:cond delay="indefinite"/>
+                      </p:stCondLst>
+                      <p:childTnLst>
+                        <p:par>
+                          <p:cTn id="55" fill="hold">
+                            <p:stCondLst>
+                              <p:cond delay="0"/>
+                            </p:stCondLst>
+                            <p:childTnLst>
+                              <p:par>
+                                <p:cTn id="56" presetID="10" presetClass="entr" presetSubtype="0" fill="hold" grpId="0" nodeType="clickEffect">
+                                  <p:stCondLst>
+                                    <p:cond delay="0"/>
+                                  </p:stCondLst>
+                                  <p:childTnLst>
+                                    <p:set>
+                                      <p:cBhvr>
+                                        <p:cTn id="57" dur="1" fill="hold">
+                                          <p:stCondLst>
+                                            <p:cond delay="0"/>
+                                          </p:stCondLst>
+                                        </p:cTn>
+                                        <p:tgtEl>
+                                          <p:spTgt spid="35"/>
+                                        </p:tgtEl>
+                                        <p:attrNameLst>
+                                          <p:attrName>style.visibility</p:attrName>
+                                        </p:attrNameLst>
+                                      </p:cBhvr>
+                                      <p:to>
+                                        <p:strVal val="visible"/>
+                                      </p:to>
+                                    </p:set>
+                                    <p:animEffect transition="in" filter="fade">
+                                      <p:cBhvr>
+                                        <p:cTn id="58" dur="500"/>
+                                        <p:tgtEl>
+                                          <p:spTgt spid="35"/>
                                         </p:tgtEl>
                                       </p:cBhvr>
                                     </p:animEffect>
@@ -5346,12 +5964,44 @@
       <p:bldP spid="26" grpId="0"/>
       <p:bldP spid="27" grpId="0"/>
       <p:bldP spid="28" grpId="0"/>
+      <p:bldP spid="5" grpId="0" animBg="1"/>
+      <p:bldP spid="35" grpId="0" animBg="1"/>
     </p:bldLst>
   </p:timing>
 </p:sld>
 </file>
 
 <file path=ppt/slides/slide4.xml><?xml version="1.0" encoding="utf-8"?>
+<p:sld xmlns:a="http://schemas.openxmlformats.org/drawingml/2006/main" xmlns:r="http://schemas.openxmlformats.org/officeDocument/2006/relationships" xmlns:p="http://schemas.openxmlformats.org/presentationml/2006/main">
+  <p:cSld>
+    <p:spTree>
+      <p:nvGrpSpPr>
+        <p:cNvPr id="1" name=""/>
+        <p:cNvGrpSpPr/>
+        <p:nvPr/>
+      </p:nvGrpSpPr>
+      <p:grpSpPr>
+        <a:xfrm>
+          <a:off x="0" y="0"/>
+          <a:ext cx="0" cy="0"/>
+          <a:chOff x="0" y="0"/>
+          <a:chExt cx="0" cy="0"/>
+        </a:xfrm>
+      </p:grpSpPr>
+    </p:spTree>
+    <p:extLst>
+      <p:ext uri="{BB962C8B-B14F-4D97-AF65-F5344CB8AC3E}">
+        <p14:creationId xmlns:p14="http://schemas.microsoft.com/office/powerpoint/2010/main" val="489357188"/>
+      </p:ext>
+    </p:extLst>
+  </p:cSld>
+  <p:clrMapOvr>
+    <a:masterClrMapping/>
+  </p:clrMapOvr>
+</p:sld>
+</file>
+
+<file path=ppt/slides/slide5.xml><?xml version="1.0" encoding="utf-8"?>
 <p:sld xmlns:a="http://schemas.openxmlformats.org/drawingml/2006/main" xmlns:r="http://schemas.openxmlformats.org/officeDocument/2006/relationships" xmlns:p="http://schemas.openxmlformats.org/presentationml/2006/main">
   <p:cSld>
     <p:spTree>
@@ -6180,7 +6830,7 @@
 </p:sld>
 </file>
 
-<file path=ppt/slides/slide5.xml><?xml version="1.0" encoding="utf-8"?>
+<file path=ppt/slides/slide6.xml><?xml version="1.0" encoding="utf-8"?>
 <p:sld xmlns:a="http://schemas.openxmlformats.org/drawingml/2006/main" xmlns:r="http://schemas.openxmlformats.org/officeDocument/2006/relationships" xmlns:p="http://schemas.openxmlformats.org/presentationml/2006/main">
   <p:cSld>
     <p:spTree>
@@ -12447,7 +13097,7 @@
 </p:sld>
 </file>
 
-<file path=ppt/slides/slide6.xml><?xml version="1.0" encoding="utf-8"?>
+<file path=ppt/slides/slide7.xml><?xml version="1.0" encoding="utf-8"?>
 <p:sld xmlns:a="http://schemas.openxmlformats.org/drawingml/2006/main" xmlns:r="http://schemas.openxmlformats.org/officeDocument/2006/relationships" xmlns:p="http://schemas.openxmlformats.org/presentationml/2006/main">
   <p:cSld>
     <p:spTree>
@@ -13121,7 +13771,7 @@
 </p:sld>
 </file>
 
-<file path=ppt/slides/slide7.xml><?xml version="1.0" encoding="utf-8"?>
+<file path=ppt/slides/slide8.xml><?xml version="1.0" encoding="utf-8"?>
 <p:sld xmlns:a="http://schemas.openxmlformats.org/drawingml/2006/main" xmlns:r="http://schemas.openxmlformats.org/officeDocument/2006/relationships" xmlns:p="http://schemas.openxmlformats.org/presentationml/2006/main">
   <p:cSld>
     <p:spTree>

--- a/Dokumente/Abschluss/Präsentation.pptx
+++ b/Dokumente/Abschluss/Präsentation.pptx
@@ -9,10 +9,11 @@
     <p:sldId id="275" r:id="rId3"/>
     <p:sldId id="274" r:id="rId4"/>
     <p:sldId id="278" r:id="rId5"/>
-    <p:sldId id="272" r:id="rId6"/>
-    <p:sldId id="273" r:id="rId7"/>
-    <p:sldId id="276" r:id="rId8"/>
-    <p:sldId id="277" r:id="rId9"/>
+    <p:sldId id="279" r:id="rId6"/>
+    <p:sldId id="272" r:id="rId7"/>
+    <p:sldId id="273" r:id="rId8"/>
+    <p:sldId id="276" r:id="rId9"/>
+    <p:sldId id="277" r:id="rId10"/>
   </p:sldIdLst>
   <p:sldSz cx="12192000" cy="6858000"/>
   <p:notesSz cx="6858000" cy="9144000"/>
@@ -5988,20 +5989,3807 @@
           <a:chExt cx="0" cy="0"/>
         </a:xfrm>
       </p:grpSpPr>
+      <p:sp>
+        <p:nvSpPr>
+          <p:cNvPr id="2" name="Titel 1">
+            <a:extLst>
+              <a:ext uri="{FF2B5EF4-FFF2-40B4-BE49-F238E27FC236}">
+                <a16:creationId xmlns:a16="http://schemas.microsoft.com/office/drawing/2014/main" id="{713DD4C8-1829-45CE-9CC2-1D8476544919}"/>
+              </a:ext>
+            </a:extLst>
+          </p:cNvPr>
+          <p:cNvSpPr>
+            <a:spLocks noGrp="1"/>
+          </p:cNvSpPr>
+          <p:nvPr>
+            <p:ph type="title"/>
+          </p:nvPr>
+        </p:nvSpPr>
+        <p:spPr/>
+        <p:txBody>
+          <a:bodyPr/>
+          <a:lstStyle/>
+          <a:p>
+            <a:r>
+              <a:rPr lang="de-DE" dirty="0"/>
+              <a:t>Strategien: Tit </a:t>
+            </a:r>
+            <a:r>
+              <a:rPr lang="de-DE" dirty="0" err="1"/>
+              <a:t>for</a:t>
+            </a:r>
+            <a:r>
+              <a:rPr lang="de-DE" dirty="0"/>
+              <a:t> Tat</a:t>
+            </a:r>
+          </a:p>
+        </p:txBody>
+      </p:sp>
+      <p:pic>
+        <p:nvPicPr>
+          <p:cNvPr id="5" name="Grafik 4" descr="Lachendes Gesicht ohne Füllung">
+            <a:extLst>
+              <a:ext uri="{FF2B5EF4-FFF2-40B4-BE49-F238E27FC236}">
+                <a16:creationId xmlns:a16="http://schemas.microsoft.com/office/drawing/2014/main" id="{A35AC728-1152-4C33-99B5-EBFD278C1F63}"/>
+              </a:ext>
+            </a:extLst>
+          </p:cNvPr>
+          <p:cNvPicPr>
+            <a:picLocks noChangeAspect="1"/>
+          </p:cNvPicPr>
+          <p:nvPr/>
+        </p:nvPicPr>
+        <p:blipFill>
+          <a:blip r:embed="rId2">
+            <a:extLst>
+              <a:ext uri="{28A0092B-C50C-407E-A947-70E740481C1C}">
+                <a14:useLocalDpi xmlns:a14="http://schemas.microsoft.com/office/drawing/2010/main" val="0"/>
+              </a:ext>
+              <a:ext uri="{96DAC541-7B7A-43D3-8B79-37D633B846F1}">
+                <asvg:svgBlip xmlns:asvg="http://schemas.microsoft.com/office/drawing/2016/SVG/main" r:embed="rId3"/>
+              </a:ext>
+            </a:extLst>
+          </a:blip>
+          <a:stretch>
+            <a:fillRect/>
+          </a:stretch>
+        </p:blipFill>
+        <p:spPr>
+          <a:xfrm>
+            <a:off x="4098507" y="2274959"/>
+            <a:ext cx="914400" cy="914400"/>
+          </a:xfrm>
+          <a:prstGeom prst="rect">
+            <a:avLst/>
+          </a:prstGeom>
+        </p:spPr>
+      </p:pic>
+      <p:pic>
+        <p:nvPicPr>
+          <p:cNvPr id="6" name="Grafik 5" descr="Lachendes Gesicht ohne Füllung">
+            <a:extLst>
+              <a:ext uri="{FF2B5EF4-FFF2-40B4-BE49-F238E27FC236}">
+                <a16:creationId xmlns:a16="http://schemas.microsoft.com/office/drawing/2014/main" id="{DD7FB1D5-A475-40D6-AE77-E2A406D98782}"/>
+              </a:ext>
+            </a:extLst>
+          </p:cNvPr>
+          <p:cNvPicPr>
+            <a:picLocks noChangeAspect="1"/>
+          </p:cNvPicPr>
+          <p:nvPr/>
+        </p:nvPicPr>
+        <p:blipFill>
+          <a:blip r:embed="rId4">
+            <a:extLst>
+              <a:ext uri="{28A0092B-C50C-407E-A947-70E740481C1C}">
+                <a14:useLocalDpi xmlns:a14="http://schemas.microsoft.com/office/drawing/2010/main" val="0"/>
+              </a:ext>
+              <a:ext uri="{96DAC541-7B7A-43D3-8B79-37D633B846F1}">
+                <asvg:svgBlip xmlns:asvg="http://schemas.microsoft.com/office/drawing/2016/SVG/main" r:embed="rId5"/>
+              </a:ext>
+            </a:extLst>
+          </a:blip>
+          <a:stretch>
+            <a:fillRect/>
+          </a:stretch>
+        </p:blipFill>
+        <p:spPr>
+          <a:xfrm>
+            <a:off x="6573944" y="2274959"/>
+            <a:ext cx="914400" cy="914400"/>
+          </a:xfrm>
+          <a:prstGeom prst="rect">
+            <a:avLst/>
+          </a:prstGeom>
+        </p:spPr>
+      </p:pic>
+      <p:cxnSp>
+        <p:nvCxnSpPr>
+          <p:cNvPr id="7" name="Gerader Verbinder 6">
+            <a:extLst>
+              <a:ext uri="{FF2B5EF4-FFF2-40B4-BE49-F238E27FC236}">
+                <a16:creationId xmlns:a16="http://schemas.microsoft.com/office/drawing/2014/main" id="{E46F7DF8-176E-41F4-A59B-B4D6F5B24415}"/>
+              </a:ext>
+            </a:extLst>
+          </p:cNvPr>
+          <p:cNvCxnSpPr>
+            <a:cxnSpLocks/>
+          </p:cNvCxnSpPr>
+          <p:nvPr/>
+        </p:nvCxnSpPr>
+        <p:spPr>
+          <a:xfrm>
+            <a:off x="5793425" y="2425149"/>
+            <a:ext cx="0" cy="3412525"/>
+          </a:xfrm>
+          <a:prstGeom prst="line">
+            <a:avLst/>
+          </a:prstGeom>
+          <a:ln>
+            <a:solidFill>
+              <a:schemeClr val="tx1"/>
+            </a:solidFill>
+          </a:ln>
+        </p:spPr>
+        <p:style>
+          <a:lnRef idx="1">
+            <a:schemeClr val="accent1"/>
+          </a:lnRef>
+          <a:fillRef idx="0">
+            <a:schemeClr val="accent1"/>
+          </a:fillRef>
+          <a:effectRef idx="0">
+            <a:schemeClr val="accent1"/>
+          </a:effectRef>
+          <a:fontRef idx="minor">
+            <a:schemeClr val="tx1"/>
+          </a:fontRef>
+        </p:style>
+      </p:cxnSp>
+      <p:sp>
+        <p:nvSpPr>
+          <p:cNvPr id="8" name="Textfeld 7">
+            <a:extLst>
+              <a:ext uri="{FF2B5EF4-FFF2-40B4-BE49-F238E27FC236}">
+                <a16:creationId xmlns:a16="http://schemas.microsoft.com/office/drawing/2014/main" id="{0BC916E9-4B35-4AB7-BBFE-91531BCCFBD2}"/>
+              </a:ext>
+            </a:extLst>
+          </p:cNvPr>
+          <p:cNvSpPr txBox="1"/>
+          <p:nvPr/>
+        </p:nvSpPr>
+        <p:spPr>
+          <a:xfrm>
+            <a:off x="3971925" y="3349690"/>
+            <a:ext cx="1167564" cy="369332"/>
+          </a:xfrm>
+          <a:prstGeom prst="rect">
+            <a:avLst/>
+          </a:prstGeom>
+          <a:noFill/>
+        </p:spPr>
+        <p:txBody>
+          <a:bodyPr wrap="none" rtlCol="0">
+            <a:spAutoFit/>
+          </a:bodyPr>
+          <a:lstStyle/>
+          <a:p>
+            <a:pPr algn="ctr"/>
+            <a:r>
+              <a:rPr lang="de-DE" dirty="0"/>
+              <a:t>kooperiert</a:t>
+            </a:r>
+          </a:p>
+        </p:txBody>
+      </p:sp>
+      <p:sp>
+        <p:nvSpPr>
+          <p:cNvPr id="9" name="Textfeld 8">
+            <a:extLst>
+              <a:ext uri="{FF2B5EF4-FFF2-40B4-BE49-F238E27FC236}">
+                <a16:creationId xmlns:a16="http://schemas.microsoft.com/office/drawing/2014/main" id="{3D8A5E24-A811-47F8-8F82-6DB066071CC1}"/>
+              </a:ext>
+            </a:extLst>
+          </p:cNvPr>
+          <p:cNvSpPr txBox="1"/>
+          <p:nvPr/>
+        </p:nvSpPr>
+        <p:spPr>
+          <a:xfrm>
+            <a:off x="6447362" y="3349690"/>
+            <a:ext cx="1167564" cy="369332"/>
+          </a:xfrm>
+          <a:prstGeom prst="rect">
+            <a:avLst/>
+          </a:prstGeom>
+          <a:noFill/>
+        </p:spPr>
+        <p:txBody>
+          <a:bodyPr wrap="none" rtlCol="0">
+            <a:spAutoFit/>
+          </a:bodyPr>
+          <a:lstStyle/>
+          <a:p>
+            <a:pPr algn="ctr"/>
+            <a:r>
+              <a:rPr lang="de-DE" dirty="0"/>
+              <a:t>kooperiert</a:t>
+            </a:r>
+          </a:p>
+        </p:txBody>
+      </p:sp>
+      <p:sp>
+        <p:nvSpPr>
+          <p:cNvPr id="10" name="Textfeld 9">
+            <a:extLst>
+              <a:ext uri="{FF2B5EF4-FFF2-40B4-BE49-F238E27FC236}">
+                <a16:creationId xmlns:a16="http://schemas.microsoft.com/office/drawing/2014/main" id="{FAF85373-2C06-4147-B2F7-6E57DB91B44F}"/>
+              </a:ext>
+            </a:extLst>
+          </p:cNvPr>
+          <p:cNvSpPr txBox="1"/>
+          <p:nvPr/>
+        </p:nvSpPr>
+        <p:spPr>
+          <a:xfrm>
+            <a:off x="3971925" y="3879353"/>
+            <a:ext cx="1167564" cy="369332"/>
+          </a:xfrm>
+          <a:prstGeom prst="rect">
+            <a:avLst/>
+          </a:prstGeom>
+          <a:noFill/>
+        </p:spPr>
+        <p:txBody>
+          <a:bodyPr wrap="none" rtlCol="0">
+            <a:spAutoFit/>
+          </a:bodyPr>
+          <a:lstStyle/>
+          <a:p>
+            <a:pPr algn="ctr"/>
+            <a:r>
+              <a:rPr lang="de-DE" dirty="0"/>
+              <a:t>kooperiert</a:t>
+            </a:r>
+          </a:p>
+        </p:txBody>
+      </p:sp>
+      <p:sp>
+        <p:nvSpPr>
+          <p:cNvPr id="11" name="Textfeld 10">
+            <a:extLst>
+              <a:ext uri="{FF2B5EF4-FFF2-40B4-BE49-F238E27FC236}">
+                <a16:creationId xmlns:a16="http://schemas.microsoft.com/office/drawing/2014/main" id="{D6E58358-22AE-47FC-A85D-C5CD2C8E78C0}"/>
+              </a:ext>
+            </a:extLst>
+          </p:cNvPr>
+          <p:cNvSpPr txBox="1"/>
+          <p:nvPr/>
+        </p:nvSpPr>
+        <p:spPr>
+          <a:xfrm>
+            <a:off x="6186331" y="3879353"/>
+            <a:ext cx="1689630" cy="369332"/>
+          </a:xfrm>
+          <a:prstGeom prst="rect">
+            <a:avLst/>
+          </a:prstGeom>
+          <a:noFill/>
+        </p:spPr>
+        <p:txBody>
+          <a:bodyPr wrap="none" rtlCol="0">
+            <a:spAutoFit/>
+          </a:bodyPr>
+          <a:lstStyle/>
+          <a:p>
+            <a:pPr algn="ctr"/>
+            <a:r>
+              <a:rPr lang="de-DE" dirty="0"/>
+              <a:t>kooperiert nicht</a:t>
+            </a:r>
+          </a:p>
+        </p:txBody>
+      </p:sp>
+      <p:sp>
+        <p:nvSpPr>
+          <p:cNvPr id="12" name="Textfeld 11">
+            <a:extLst>
+              <a:ext uri="{FF2B5EF4-FFF2-40B4-BE49-F238E27FC236}">
+                <a16:creationId xmlns:a16="http://schemas.microsoft.com/office/drawing/2014/main" id="{F8395C88-E38A-43EC-B19C-9771CF6194BB}"/>
+              </a:ext>
+            </a:extLst>
+          </p:cNvPr>
+          <p:cNvSpPr txBox="1"/>
+          <p:nvPr/>
+        </p:nvSpPr>
+        <p:spPr>
+          <a:xfrm>
+            <a:off x="3710894" y="4409016"/>
+            <a:ext cx="1689630" cy="369332"/>
+          </a:xfrm>
+          <a:prstGeom prst="rect">
+            <a:avLst/>
+          </a:prstGeom>
+          <a:noFill/>
+        </p:spPr>
+        <p:txBody>
+          <a:bodyPr wrap="none" rtlCol="0">
+            <a:spAutoFit/>
+          </a:bodyPr>
+          <a:lstStyle/>
+          <a:p>
+            <a:pPr algn="ctr"/>
+            <a:r>
+              <a:rPr lang="de-DE" dirty="0"/>
+              <a:t>kooperiert nicht</a:t>
+            </a:r>
+          </a:p>
+        </p:txBody>
+      </p:sp>
+      <p:sp>
+        <p:nvSpPr>
+          <p:cNvPr id="13" name="Textfeld 12">
+            <a:extLst>
+              <a:ext uri="{FF2B5EF4-FFF2-40B4-BE49-F238E27FC236}">
+                <a16:creationId xmlns:a16="http://schemas.microsoft.com/office/drawing/2014/main" id="{479E0B52-2BDD-4A75-9185-B1622C3E76FA}"/>
+              </a:ext>
+            </a:extLst>
+          </p:cNvPr>
+          <p:cNvSpPr txBox="1"/>
+          <p:nvPr/>
+        </p:nvSpPr>
+        <p:spPr>
+          <a:xfrm>
+            <a:off x="6447138" y="4409016"/>
+            <a:ext cx="1167564" cy="369332"/>
+          </a:xfrm>
+          <a:prstGeom prst="rect">
+            <a:avLst/>
+          </a:prstGeom>
+          <a:noFill/>
+        </p:spPr>
+        <p:txBody>
+          <a:bodyPr wrap="none" rtlCol="0">
+            <a:spAutoFit/>
+          </a:bodyPr>
+          <a:lstStyle/>
+          <a:p>
+            <a:pPr algn="ctr"/>
+            <a:r>
+              <a:rPr lang="de-DE" dirty="0"/>
+              <a:t>kooperiert</a:t>
+            </a:r>
+          </a:p>
+        </p:txBody>
+      </p:sp>
+      <p:sp>
+        <p:nvSpPr>
+          <p:cNvPr id="14" name="Textfeld 13">
+            <a:extLst>
+              <a:ext uri="{FF2B5EF4-FFF2-40B4-BE49-F238E27FC236}">
+                <a16:creationId xmlns:a16="http://schemas.microsoft.com/office/drawing/2014/main" id="{582F1994-1756-4037-8FFC-79E6EF87E5EB}"/>
+              </a:ext>
+            </a:extLst>
+          </p:cNvPr>
+          <p:cNvSpPr txBox="1"/>
+          <p:nvPr/>
+        </p:nvSpPr>
+        <p:spPr>
+          <a:xfrm>
+            <a:off x="3971927" y="4938679"/>
+            <a:ext cx="1167564" cy="369332"/>
+          </a:xfrm>
+          <a:prstGeom prst="rect">
+            <a:avLst/>
+          </a:prstGeom>
+          <a:noFill/>
+        </p:spPr>
+        <p:txBody>
+          <a:bodyPr wrap="none" rtlCol="0">
+            <a:spAutoFit/>
+          </a:bodyPr>
+          <a:lstStyle/>
+          <a:p>
+            <a:pPr algn="ctr"/>
+            <a:r>
+              <a:rPr lang="de-DE" dirty="0"/>
+              <a:t>kooperiert</a:t>
+            </a:r>
+          </a:p>
+        </p:txBody>
+      </p:sp>
+      <p:sp>
+        <p:nvSpPr>
+          <p:cNvPr id="15" name="Textfeld 14">
+            <a:extLst>
+              <a:ext uri="{FF2B5EF4-FFF2-40B4-BE49-F238E27FC236}">
+                <a16:creationId xmlns:a16="http://schemas.microsoft.com/office/drawing/2014/main" id="{1C09387F-4FBF-46F2-9558-76DB7430F575}"/>
+              </a:ext>
+            </a:extLst>
+          </p:cNvPr>
+          <p:cNvSpPr txBox="1"/>
+          <p:nvPr/>
+        </p:nvSpPr>
+        <p:spPr>
+          <a:xfrm>
+            <a:off x="6186331" y="4938679"/>
+            <a:ext cx="1689630" cy="369332"/>
+          </a:xfrm>
+          <a:prstGeom prst="rect">
+            <a:avLst/>
+          </a:prstGeom>
+          <a:noFill/>
+        </p:spPr>
+        <p:txBody>
+          <a:bodyPr wrap="none" rtlCol="0">
+            <a:spAutoFit/>
+          </a:bodyPr>
+          <a:lstStyle/>
+          <a:p>
+            <a:pPr algn="ctr"/>
+            <a:r>
+              <a:rPr lang="de-DE" dirty="0"/>
+              <a:t>kooperiert nicht</a:t>
+            </a:r>
+          </a:p>
+        </p:txBody>
+      </p:sp>
+      <p:sp>
+        <p:nvSpPr>
+          <p:cNvPr id="16" name="Textfeld 15">
+            <a:extLst>
+              <a:ext uri="{FF2B5EF4-FFF2-40B4-BE49-F238E27FC236}">
+                <a16:creationId xmlns:a16="http://schemas.microsoft.com/office/drawing/2014/main" id="{DE2770C8-4B81-4ED9-BB28-74B68A582EF6}"/>
+              </a:ext>
+            </a:extLst>
+          </p:cNvPr>
+          <p:cNvSpPr txBox="1"/>
+          <p:nvPr/>
+        </p:nvSpPr>
+        <p:spPr>
+          <a:xfrm>
+            <a:off x="3710894" y="5468342"/>
+            <a:ext cx="1689630" cy="369332"/>
+          </a:xfrm>
+          <a:prstGeom prst="rect">
+            <a:avLst/>
+          </a:prstGeom>
+          <a:noFill/>
+        </p:spPr>
+        <p:txBody>
+          <a:bodyPr wrap="none" rtlCol="0">
+            <a:spAutoFit/>
+          </a:bodyPr>
+          <a:lstStyle/>
+          <a:p>
+            <a:pPr algn="ctr"/>
+            <a:r>
+              <a:rPr lang="de-DE" dirty="0"/>
+              <a:t>kooperiert nicht</a:t>
+            </a:r>
+          </a:p>
+        </p:txBody>
+      </p:sp>
+      <p:sp>
+        <p:nvSpPr>
+          <p:cNvPr id="17" name="Textfeld 16">
+            <a:extLst>
+              <a:ext uri="{FF2B5EF4-FFF2-40B4-BE49-F238E27FC236}">
+                <a16:creationId xmlns:a16="http://schemas.microsoft.com/office/drawing/2014/main" id="{5EA66A5D-035A-4A7B-BC96-248D0C84D100}"/>
+              </a:ext>
+            </a:extLst>
+          </p:cNvPr>
+          <p:cNvSpPr txBox="1"/>
+          <p:nvPr/>
+        </p:nvSpPr>
+        <p:spPr>
+          <a:xfrm>
+            <a:off x="6447362" y="5468342"/>
+            <a:ext cx="1167564" cy="369332"/>
+          </a:xfrm>
+          <a:prstGeom prst="rect">
+            <a:avLst/>
+          </a:prstGeom>
+          <a:noFill/>
+        </p:spPr>
+        <p:txBody>
+          <a:bodyPr wrap="none" rtlCol="0">
+            <a:spAutoFit/>
+          </a:bodyPr>
+          <a:lstStyle/>
+          <a:p>
+            <a:pPr algn="ctr"/>
+            <a:r>
+              <a:rPr lang="de-DE" dirty="0"/>
+              <a:t>kooperiert</a:t>
+            </a:r>
+          </a:p>
+        </p:txBody>
+      </p:sp>
+      <p:cxnSp>
+        <p:nvCxnSpPr>
+          <p:cNvPr id="20" name="Gerade Verbindung mit Pfeil 19">
+            <a:extLst>
+              <a:ext uri="{FF2B5EF4-FFF2-40B4-BE49-F238E27FC236}">
+                <a16:creationId xmlns:a16="http://schemas.microsoft.com/office/drawing/2014/main" id="{24AB71DC-6929-4998-ADB8-C0A065C343AC}"/>
+              </a:ext>
+            </a:extLst>
+          </p:cNvPr>
+          <p:cNvCxnSpPr>
+            <a:cxnSpLocks/>
+            <a:stCxn id="9" idx="1"/>
+            <a:endCxn id="10" idx="3"/>
+          </p:cNvCxnSpPr>
+          <p:nvPr/>
+        </p:nvCxnSpPr>
+        <p:spPr>
+          <a:xfrm flipH="1">
+            <a:off x="5139489" y="3534356"/>
+            <a:ext cx="1307873" cy="529663"/>
+          </a:xfrm>
+          <a:prstGeom prst="straightConnector1">
+            <a:avLst/>
+          </a:prstGeom>
+          <a:ln w="19050">
+            <a:solidFill>
+              <a:srgbClr val="FF0000"/>
+            </a:solidFill>
+            <a:tailEnd type="triangle"/>
+          </a:ln>
+        </p:spPr>
+        <p:style>
+          <a:lnRef idx="1">
+            <a:schemeClr val="accent1"/>
+          </a:lnRef>
+          <a:fillRef idx="0">
+            <a:schemeClr val="accent1"/>
+          </a:fillRef>
+          <a:effectRef idx="0">
+            <a:schemeClr val="accent1"/>
+          </a:effectRef>
+          <a:fontRef idx="minor">
+            <a:schemeClr val="tx1"/>
+          </a:fontRef>
+        </p:style>
+      </p:cxnSp>
+      <p:cxnSp>
+        <p:nvCxnSpPr>
+          <p:cNvPr id="23" name="Gerade Verbindung mit Pfeil 22">
+            <a:extLst>
+              <a:ext uri="{FF2B5EF4-FFF2-40B4-BE49-F238E27FC236}">
+                <a16:creationId xmlns:a16="http://schemas.microsoft.com/office/drawing/2014/main" id="{98C140F2-2554-4E3E-A7B8-6B0C538188C9}"/>
+              </a:ext>
+            </a:extLst>
+          </p:cNvPr>
+          <p:cNvCxnSpPr>
+            <a:cxnSpLocks/>
+            <a:stCxn id="11" idx="1"/>
+            <a:endCxn id="12" idx="3"/>
+          </p:cNvCxnSpPr>
+          <p:nvPr/>
+        </p:nvCxnSpPr>
+        <p:spPr>
+          <a:xfrm flipH="1">
+            <a:off x="5400524" y="4064019"/>
+            <a:ext cx="785807" cy="529663"/>
+          </a:xfrm>
+          <a:prstGeom prst="straightConnector1">
+            <a:avLst/>
+          </a:prstGeom>
+          <a:ln w="19050">
+            <a:solidFill>
+              <a:srgbClr val="FF0000"/>
+            </a:solidFill>
+            <a:tailEnd type="triangle"/>
+          </a:ln>
+        </p:spPr>
+        <p:style>
+          <a:lnRef idx="1">
+            <a:schemeClr val="accent1"/>
+          </a:lnRef>
+          <a:fillRef idx="0">
+            <a:schemeClr val="accent1"/>
+          </a:fillRef>
+          <a:effectRef idx="0">
+            <a:schemeClr val="accent1"/>
+          </a:effectRef>
+          <a:fontRef idx="minor">
+            <a:schemeClr val="tx1"/>
+          </a:fontRef>
+        </p:style>
+      </p:cxnSp>
+      <p:cxnSp>
+        <p:nvCxnSpPr>
+          <p:cNvPr id="26" name="Gerade Verbindung mit Pfeil 25">
+            <a:extLst>
+              <a:ext uri="{FF2B5EF4-FFF2-40B4-BE49-F238E27FC236}">
+                <a16:creationId xmlns:a16="http://schemas.microsoft.com/office/drawing/2014/main" id="{F2C8B692-A256-4FFD-9DA9-867C0515614F}"/>
+              </a:ext>
+            </a:extLst>
+          </p:cNvPr>
+          <p:cNvCxnSpPr>
+            <a:cxnSpLocks/>
+            <a:stCxn id="13" idx="1"/>
+            <a:endCxn id="14" idx="3"/>
+          </p:cNvCxnSpPr>
+          <p:nvPr/>
+        </p:nvCxnSpPr>
+        <p:spPr>
+          <a:xfrm flipH="1">
+            <a:off x="5139491" y="4593682"/>
+            <a:ext cx="1307647" cy="529663"/>
+          </a:xfrm>
+          <a:prstGeom prst="straightConnector1">
+            <a:avLst/>
+          </a:prstGeom>
+          <a:ln w="19050">
+            <a:solidFill>
+              <a:srgbClr val="FF0000"/>
+            </a:solidFill>
+            <a:tailEnd type="triangle"/>
+          </a:ln>
+        </p:spPr>
+        <p:style>
+          <a:lnRef idx="1">
+            <a:schemeClr val="accent1"/>
+          </a:lnRef>
+          <a:fillRef idx="0">
+            <a:schemeClr val="accent1"/>
+          </a:fillRef>
+          <a:effectRef idx="0">
+            <a:schemeClr val="accent1"/>
+          </a:effectRef>
+          <a:fontRef idx="minor">
+            <a:schemeClr val="tx1"/>
+          </a:fontRef>
+        </p:style>
+      </p:cxnSp>
+      <p:cxnSp>
+        <p:nvCxnSpPr>
+          <p:cNvPr id="29" name="Gerade Verbindung mit Pfeil 28">
+            <a:extLst>
+              <a:ext uri="{FF2B5EF4-FFF2-40B4-BE49-F238E27FC236}">
+                <a16:creationId xmlns:a16="http://schemas.microsoft.com/office/drawing/2014/main" id="{56799CEA-EC85-4A10-B6CA-0A9BF0CF3937}"/>
+              </a:ext>
+            </a:extLst>
+          </p:cNvPr>
+          <p:cNvCxnSpPr>
+            <a:cxnSpLocks/>
+            <a:stCxn id="15" idx="1"/>
+            <a:endCxn id="16" idx="3"/>
+          </p:cNvCxnSpPr>
+          <p:nvPr/>
+        </p:nvCxnSpPr>
+        <p:spPr>
+          <a:xfrm flipH="1">
+            <a:off x="5400524" y="5123345"/>
+            <a:ext cx="785807" cy="529663"/>
+          </a:xfrm>
+          <a:prstGeom prst="straightConnector1">
+            <a:avLst/>
+          </a:prstGeom>
+          <a:ln w="19050">
+            <a:solidFill>
+              <a:srgbClr val="FF0000"/>
+            </a:solidFill>
+            <a:tailEnd type="triangle"/>
+          </a:ln>
+        </p:spPr>
+        <p:style>
+          <a:lnRef idx="1">
+            <a:schemeClr val="accent1"/>
+          </a:lnRef>
+          <a:fillRef idx="0">
+            <a:schemeClr val="accent1"/>
+          </a:fillRef>
+          <a:effectRef idx="0">
+            <a:schemeClr val="accent1"/>
+          </a:effectRef>
+          <a:fontRef idx="minor">
+            <a:schemeClr val="tx1"/>
+          </a:fontRef>
+        </p:style>
+      </p:cxnSp>
+      <p:sp>
+        <p:nvSpPr>
+          <p:cNvPr id="32" name="Textfeld 31">
+            <a:extLst>
+              <a:ext uri="{FF2B5EF4-FFF2-40B4-BE49-F238E27FC236}">
+                <a16:creationId xmlns:a16="http://schemas.microsoft.com/office/drawing/2014/main" id="{635BCEF6-56F4-4D24-969D-BD3E0D71C2E3}"/>
+              </a:ext>
+            </a:extLst>
+          </p:cNvPr>
+          <p:cNvSpPr txBox="1"/>
+          <p:nvPr/>
+        </p:nvSpPr>
+        <p:spPr>
+          <a:xfrm>
+            <a:off x="2304999" y="3349690"/>
+            <a:ext cx="861133" cy="369332"/>
+          </a:xfrm>
+          <a:prstGeom prst="rect">
+            <a:avLst/>
+          </a:prstGeom>
+          <a:noFill/>
+        </p:spPr>
+        <p:txBody>
+          <a:bodyPr wrap="none" rtlCol="0">
+            <a:spAutoFit/>
+          </a:bodyPr>
+          <a:lstStyle/>
+          <a:p>
+            <a:pPr algn="ctr"/>
+            <a:r>
+              <a:rPr lang="de-DE" dirty="0"/>
+              <a:t>1. Spiel</a:t>
+            </a:r>
+          </a:p>
+        </p:txBody>
+      </p:sp>
+      <p:sp>
+        <p:nvSpPr>
+          <p:cNvPr id="33" name="Textfeld 32">
+            <a:extLst>
+              <a:ext uri="{FF2B5EF4-FFF2-40B4-BE49-F238E27FC236}">
+                <a16:creationId xmlns:a16="http://schemas.microsoft.com/office/drawing/2014/main" id="{3AFDB75B-8874-4FC1-94E0-6C5B45D3697E}"/>
+              </a:ext>
+            </a:extLst>
+          </p:cNvPr>
+          <p:cNvSpPr txBox="1"/>
+          <p:nvPr/>
+        </p:nvSpPr>
+        <p:spPr>
+          <a:xfrm>
+            <a:off x="2304999" y="3879353"/>
+            <a:ext cx="861133" cy="369332"/>
+          </a:xfrm>
+          <a:prstGeom prst="rect">
+            <a:avLst/>
+          </a:prstGeom>
+          <a:noFill/>
+        </p:spPr>
+        <p:txBody>
+          <a:bodyPr wrap="none" rtlCol="0">
+            <a:spAutoFit/>
+          </a:bodyPr>
+          <a:lstStyle/>
+          <a:p>
+            <a:pPr algn="ctr"/>
+            <a:r>
+              <a:rPr lang="de-DE" dirty="0"/>
+              <a:t>2. Spiel</a:t>
+            </a:r>
+          </a:p>
+        </p:txBody>
+      </p:sp>
+      <p:sp>
+        <p:nvSpPr>
+          <p:cNvPr id="34" name="Textfeld 33">
+            <a:extLst>
+              <a:ext uri="{FF2B5EF4-FFF2-40B4-BE49-F238E27FC236}">
+                <a16:creationId xmlns:a16="http://schemas.microsoft.com/office/drawing/2014/main" id="{FEEB33DE-E3D4-4164-8AF0-BF3A811CB437}"/>
+              </a:ext>
+            </a:extLst>
+          </p:cNvPr>
+          <p:cNvSpPr txBox="1"/>
+          <p:nvPr/>
+        </p:nvSpPr>
+        <p:spPr>
+          <a:xfrm>
+            <a:off x="2304999" y="4409016"/>
+            <a:ext cx="861133" cy="369332"/>
+          </a:xfrm>
+          <a:prstGeom prst="rect">
+            <a:avLst/>
+          </a:prstGeom>
+          <a:noFill/>
+        </p:spPr>
+        <p:txBody>
+          <a:bodyPr wrap="none" rtlCol="0">
+            <a:spAutoFit/>
+          </a:bodyPr>
+          <a:lstStyle/>
+          <a:p>
+            <a:pPr algn="ctr"/>
+            <a:r>
+              <a:rPr lang="de-DE" dirty="0"/>
+              <a:t>3. Spiel</a:t>
+            </a:r>
+          </a:p>
+        </p:txBody>
+      </p:sp>
+      <p:sp>
+        <p:nvSpPr>
+          <p:cNvPr id="35" name="Textfeld 34">
+            <a:extLst>
+              <a:ext uri="{FF2B5EF4-FFF2-40B4-BE49-F238E27FC236}">
+                <a16:creationId xmlns:a16="http://schemas.microsoft.com/office/drawing/2014/main" id="{DFE978C1-11AD-4EA7-8CF6-7D33DAE64E8F}"/>
+              </a:ext>
+            </a:extLst>
+          </p:cNvPr>
+          <p:cNvSpPr txBox="1"/>
+          <p:nvPr/>
+        </p:nvSpPr>
+        <p:spPr>
+          <a:xfrm>
+            <a:off x="2305000" y="4938679"/>
+            <a:ext cx="861133" cy="369332"/>
+          </a:xfrm>
+          <a:prstGeom prst="rect">
+            <a:avLst/>
+          </a:prstGeom>
+          <a:noFill/>
+        </p:spPr>
+        <p:txBody>
+          <a:bodyPr wrap="none" rtlCol="0">
+            <a:spAutoFit/>
+          </a:bodyPr>
+          <a:lstStyle/>
+          <a:p>
+            <a:pPr algn="ctr"/>
+            <a:r>
+              <a:rPr lang="de-DE" dirty="0"/>
+              <a:t>4. Spiel</a:t>
+            </a:r>
+          </a:p>
+        </p:txBody>
+      </p:sp>
+      <p:sp>
+        <p:nvSpPr>
+          <p:cNvPr id="36" name="Textfeld 35">
+            <a:extLst>
+              <a:ext uri="{FF2B5EF4-FFF2-40B4-BE49-F238E27FC236}">
+                <a16:creationId xmlns:a16="http://schemas.microsoft.com/office/drawing/2014/main" id="{42B9BC9A-C5C4-4C5E-B3AE-FDE3EA72D015}"/>
+              </a:ext>
+            </a:extLst>
+          </p:cNvPr>
+          <p:cNvSpPr txBox="1"/>
+          <p:nvPr/>
+        </p:nvSpPr>
+        <p:spPr>
+          <a:xfrm>
+            <a:off x="2304999" y="5468342"/>
+            <a:ext cx="861133" cy="369332"/>
+          </a:xfrm>
+          <a:prstGeom prst="rect">
+            <a:avLst/>
+          </a:prstGeom>
+          <a:noFill/>
+        </p:spPr>
+        <p:txBody>
+          <a:bodyPr wrap="none" rtlCol="0">
+            <a:spAutoFit/>
+          </a:bodyPr>
+          <a:lstStyle/>
+          <a:p>
+            <a:pPr algn="ctr"/>
+            <a:r>
+              <a:rPr lang="de-DE" dirty="0"/>
+              <a:t>5. Spiel</a:t>
+            </a:r>
+          </a:p>
+        </p:txBody>
+      </p:sp>
+      <p:sp>
+        <p:nvSpPr>
+          <p:cNvPr id="37" name="Textfeld 36">
+            <a:extLst>
+              <a:ext uri="{FF2B5EF4-FFF2-40B4-BE49-F238E27FC236}">
+                <a16:creationId xmlns:a16="http://schemas.microsoft.com/office/drawing/2014/main" id="{F73E264C-3D43-4C97-9045-F2C56A3FF2C5}"/>
+              </a:ext>
+            </a:extLst>
+          </p:cNvPr>
+          <p:cNvSpPr txBox="1"/>
+          <p:nvPr/>
+        </p:nvSpPr>
+        <p:spPr>
+          <a:xfrm>
+            <a:off x="4384028" y="5998005"/>
+            <a:ext cx="343363" cy="369332"/>
+          </a:xfrm>
+          <a:prstGeom prst="rect">
+            <a:avLst/>
+          </a:prstGeom>
+          <a:noFill/>
+        </p:spPr>
+        <p:txBody>
+          <a:bodyPr wrap="none" rtlCol="0">
+            <a:spAutoFit/>
+          </a:bodyPr>
+          <a:lstStyle/>
+          <a:p>
+            <a:pPr algn="ctr"/>
+            <a:r>
+              <a:rPr lang="de-DE" dirty="0"/>
+              <a:t>…</a:t>
+            </a:r>
+          </a:p>
+        </p:txBody>
+      </p:sp>
+      <p:sp>
+        <p:nvSpPr>
+          <p:cNvPr id="38" name="Textfeld 37">
+            <a:extLst>
+              <a:ext uri="{FF2B5EF4-FFF2-40B4-BE49-F238E27FC236}">
+                <a16:creationId xmlns:a16="http://schemas.microsoft.com/office/drawing/2014/main" id="{552B4944-F68A-429D-AC1A-473424820385}"/>
+              </a:ext>
+            </a:extLst>
+          </p:cNvPr>
+          <p:cNvSpPr txBox="1"/>
+          <p:nvPr/>
+        </p:nvSpPr>
+        <p:spPr>
+          <a:xfrm>
+            <a:off x="6859463" y="5998005"/>
+            <a:ext cx="343363" cy="369332"/>
+          </a:xfrm>
+          <a:prstGeom prst="rect">
+            <a:avLst/>
+          </a:prstGeom>
+          <a:noFill/>
+        </p:spPr>
+        <p:txBody>
+          <a:bodyPr wrap="none" rtlCol="0">
+            <a:spAutoFit/>
+          </a:bodyPr>
+          <a:lstStyle/>
+          <a:p>
+            <a:pPr algn="ctr"/>
+            <a:r>
+              <a:rPr lang="de-DE" dirty="0"/>
+              <a:t>…</a:t>
+            </a:r>
+          </a:p>
+        </p:txBody>
+      </p:sp>
+      <p:sp>
+        <p:nvSpPr>
+          <p:cNvPr id="39" name="Textfeld 38">
+            <a:extLst>
+              <a:ext uri="{FF2B5EF4-FFF2-40B4-BE49-F238E27FC236}">
+                <a16:creationId xmlns:a16="http://schemas.microsoft.com/office/drawing/2014/main" id="{71A78447-92E2-4363-82AB-AB590426F43A}"/>
+              </a:ext>
+            </a:extLst>
+          </p:cNvPr>
+          <p:cNvSpPr txBox="1"/>
+          <p:nvPr/>
+        </p:nvSpPr>
+        <p:spPr>
+          <a:xfrm>
+            <a:off x="2563884" y="5998005"/>
+            <a:ext cx="343363" cy="369332"/>
+          </a:xfrm>
+          <a:prstGeom prst="rect">
+            <a:avLst/>
+          </a:prstGeom>
+          <a:noFill/>
+        </p:spPr>
+        <p:txBody>
+          <a:bodyPr wrap="none" rtlCol="0">
+            <a:spAutoFit/>
+          </a:bodyPr>
+          <a:lstStyle/>
+          <a:p>
+            <a:pPr algn="ctr"/>
+            <a:r>
+              <a:rPr lang="de-DE" dirty="0"/>
+              <a:t>…</a:t>
+            </a:r>
+          </a:p>
+        </p:txBody>
+      </p:sp>
     </p:spTree>
     <p:extLst>
       <p:ext uri="{BB962C8B-B14F-4D97-AF65-F5344CB8AC3E}">
-        <p14:creationId xmlns:p14="http://schemas.microsoft.com/office/powerpoint/2010/main" val="489357188"/>
+        <p14:creationId xmlns:p14="http://schemas.microsoft.com/office/powerpoint/2010/main" val="88634531"/>
       </p:ext>
     </p:extLst>
   </p:cSld>
   <p:clrMapOvr>
     <a:masterClrMapping/>
   </p:clrMapOvr>
+  <p:timing>
+    <p:tnLst>
+      <p:par>
+        <p:cTn id="1" dur="indefinite" restart="never" nodeType="tmRoot">
+          <p:childTnLst>
+            <p:seq concurrent="1" nextAc="seek">
+              <p:cTn id="2" dur="indefinite" nodeType="mainSeq">
+                <p:childTnLst>
+                  <p:par>
+                    <p:cTn id="3" fill="hold">
+                      <p:stCondLst>
+                        <p:cond delay="indefinite"/>
+                      </p:stCondLst>
+                      <p:childTnLst>
+                        <p:par>
+                          <p:cTn id="4" fill="hold">
+                            <p:stCondLst>
+                              <p:cond delay="0"/>
+                            </p:stCondLst>
+                            <p:childTnLst>
+                              <p:par>
+                                <p:cTn id="5" presetID="10" presetClass="entr" presetSubtype="0" fill="hold" grpId="0" nodeType="clickEffect">
+                                  <p:stCondLst>
+                                    <p:cond delay="0"/>
+                                  </p:stCondLst>
+                                  <p:childTnLst>
+                                    <p:set>
+                                      <p:cBhvr>
+                                        <p:cTn id="6" dur="1" fill="hold">
+                                          <p:stCondLst>
+                                            <p:cond delay="0"/>
+                                          </p:stCondLst>
+                                        </p:cTn>
+                                        <p:tgtEl>
+                                          <p:spTgt spid="8"/>
+                                        </p:tgtEl>
+                                        <p:attrNameLst>
+                                          <p:attrName>style.visibility</p:attrName>
+                                        </p:attrNameLst>
+                                      </p:cBhvr>
+                                      <p:to>
+                                        <p:strVal val="visible"/>
+                                      </p:to>
+                                    </p:set>
+                                    <p:animEffect transition="in" filter="fade">
+                                      <p:cBhvr>
+                                        <p:cTn id="7" dur="500"/>
+                                        <p:tgtEl>
+                                          <p:spTgt spid="8"/>
+                                        </p:tgtEl>
+                                      </p:cBhvr>
+                                    </p:animEffect>
+                                  </p:childTnLst>
+                                </p:cTn>
+                              </p:par>
+                              <p:par>
+                                <p:cTn id="8" presetID="10" presetClass="entr" presetSubtype="0" fill="hold" grpId="0" nodeType="withEffect">
+                                  <p:stCondLst>
+                                    <p:cond delay="0"/>
+                                  </p:stCondLst>
+                                  <p:childTnLst>
+                                    <p:set>
+                                      <p:cBhvr>
+                                        <p:cTn id="9" dur="1" fill="hold">
+                                          <p:stCondLst>
+                                            <p:cond delay="0"/>
+                                          </p:stCondLst>
+                                        </p:cTn>
+                                        <p:tgtEl>
+                                          <p:spTgt spid="9"/>
+                                        </p:tgtEl>
+                                        <p:attrNameLst>
+                                          <p:attrName>style.visibility</p:attrName>
+                                        </p:attrNameLst>
+                                      </p:cBhvr>
+                                      <p:to>
+                                        <p:strVal val="visible"/>
+                                      </p:to>
+                                    </p:set>
+                                    <p:animEffect transition="in" filter="fade">
+                                      <p:cBhvr>
+                                        <p:cTn id="10" dur="500"/>
+                                        <p:tgtEl>
+                                          <p:spTgt spid="9"/>
+                                        </p:tgtEl>
+                                      </p:cBhvr>
+                                    </p:animEffect>
+                                  </p:childTnLst>
+                                </p:cTn>
+                              </p:par>
+                            </p:childTnLst>
+                          </p:cTn>
+                        </p:par>
+                      </p:childTnLst>
+                    </p:cTn>
+                  </p:par>
+                  <p:par>
+                    <p:cTn id="11" fill="hold">
+                      <p:stCondLst>
+                        <p:cond delay="indefinite"/>
+                      </p:stCondLst>
+                      <p:childTnLst>
+                        <p:par>
+                          <p:cTn id="12" fill="hold">
+                            <p:stCondLst>
+                              <p:cond delay="0"/>
+                            </p:stCondLst>
+                            <p:childTnLst>
+                              <p:par>
+                                <p:cTn id="13" presetID="10" presetClass="entr" presetSubtype="0" fill="hold" grpId="0" nodeType="clickEffect">
+                                  <p:stCondLst>
+                                    <p:cond delay="0"/>
+                                  </p:stCondLst>
+                                  <p:childTnLst>
+                                    <p:set>
+                                      <p:cBhvr>
+                                        <p:cTn id="14" dur="1" fill="hold">
+                                          <p:stCondLst>
+                                            <p:cond delay="0"/>
+                                          </p:stCondLst>
+                                        </p:cTn>
+                                        <p:tgtEl>
+                                          <p:spTgt spid="33"/>
+                                        </p:tgtEl>
+                                        <p:attrNameLst>
+                                          <p:attrName>style.visibility</p:attrName>
+                                        </p:attrNameLst>
+                                      </p:cBhvr>
+                                      <p:to>
+                                        <p:strVal val="visible"/>
+                                      </p:to>
+                                    </p:set>
+                                    <p:animEffect transition="in" filter="fade">
+                                      <p:cBhvr>
+                                        <p:cTn id="15" dur="500"/>
+                                        <p:tgtEl>
+                                          <p:spTgt spid="33"/>
+                                        </p:tgtEl>
+                                      </p:cBhvr>
+                                    </p:animEffect>
+                                  </p:childTnLst>
+                                </p:cTn>
+                              </p:par>
+                              <p:par>
+                                <p:cTn id="16" presetID="10" presetClass="entr" presetSubtype="0" fill="hold" grpId="0" nodeType="withEffect">
+                                  <p:stCondLst>
+                                    <p:cond delay="0"/>
+                                  </p:stCondLst>
+                                  <p:childTnLst>
+                                    <p:set>
+                                      <p:cBhvr>
+                                        <p:cTn id="17" dur="1" fill="hold">
+                                          <p:stCondLst>
+                                            <p:cond delay="0"/>
+                                          </p:stCondLst>
+                                        </p:cTn>
+                                        <p:tgtEl>
+                                          <p:spTgt spid="10"/>
+                                        </p:tgtEl>
+                                        <p:attrNameLst>
+                                          <p:attrName>style.visibility</p:attrName>
+                                        </p:attrNameLst>
+                                      </p:cBhvr>
+                                      <p:to>
+                                        <p:strVal val="visible"/>
+                                      </p:to>
+                                    </p:set>
+                                    <p:animEffect transition="in" filter="fade">
+                                      <p:cBhvr>
+                                        <p:cTn id="18" dur="500"/>
+                                        <p:tgtEl>
+                                          <p:spTgt spid="10"/>
+                                        </p:tgtEl>
+                                      </p:cBhvr>
+                                    </p:animEffect>
+                                  </p:childTnLst>
+                                </p:cTn>
+                              </p:par>
+                              <p:par>
+                                <p:cTn id="19" presetID="10" presetClass="entr" presetSubtype="0" fill="hold" nodeType="withEffect">
+                                  <p:stCondLst>
+                                    <p:cond delay="0"/>
+                                  </p:stCondLst>
+                                  <p:childTnLst>
+                                    <p:set>
+                                      <p:cBhvr>
+                                        <p:cTn id="20" dur="1" fill="hold">
+                                          <p:stCondLst>
+                                            <p:cond delay="0"/>
+                                          </p:stCondLst>
+                                        </p:cTn>
+                                        <p:tgtEl>
+                                          <p:spTgt spid="20"/>
+                                        </p:tgtEl>
+                                        <p:attrNameLst>
+                                          <p:attrName>style.visibility</p:attrName>
+                                        </p:attrNameLst>
+                                      </p:cBhvr>
+                                      <p:to>
+                                        <p:strVal val="visible"/>
+                                      </p:to>
+                                    </p:set>
+                                    <p:animEffect transition="in" filter="fade">
+                                      <p:cBhvr>
+                                        <p:cTn id="21" dur="500"/>
+                                        <p:tgtEl>
+                                          <p:spTgt spid="20"/>
+                                        </p:tgtEl>
+                                      </p:cBhvr>
+                                    </p:animEffect>
+                                  </p:childTnLst>
+                                </p:cTn>
+                              </p:par>
+                              <p:par>
+                                <p:cTn id="22" presetID="10" presetClass="entr" presetSubtype="0" fill="hold" grpId="0" nodeType="withEffect">
+                                  <p:stCondLst>
+                                    <p:cond delay="0"/>
+                                  </p:stCondLst>
+                                  <p:childTnLst>
+                                    <p:set>
+                                      <p:cBhvr>
+                                        <p:cTn id="23" dur="1" fill="hold">
+                                          <p:stCondLst>
+                                            <p:cond delay="0"/>
+                                          </p:stCondLst>
+                                        </p:cTn>
+                                        <p:tgtEl>
+                                          <p:spTgt spid="11"/>
+                                        </p:tgtEl>
+                                        <p:attrNameLst>
+                                          <p:attrName>style.visibility</p:attrName>
+                                        </p:attrNameLst>
+                                      </p:cBhvr>
+                                      <p:to>
+                                        <p:strVal val="visible"/>
+                                      </p:to>
+                                    </p:set>
+                                    <p:animEffect transition="in" filter="fade">
+                                      <p:cBhvr>
+                                        <p:cTn id="24" dur="500"/>
+                                        <p:tgtEl>
+                                          <p:spTgt spid="11"/>
+                                        </p:tgtEl>
+                                      </p:cBhvr>
+                                    </p:animEffect>
+                                  </p:childTnLst>
+                                </p:cTn>
+                              </p:par>
+                            </p:childTnLst>
+                          </p:cTn>
+                        </p:par>
+                      </p:childTnLst>
+                    </p:cTn>
+                  </p:par>
+                  <p:par>
+                    <p:cTn id="25" fill="hold">
+                      <p:stCondLst>
+                        <p:cond delay="indefinite"/>
+                      </p:stCondLst>
+                      <p:childTnLst>
+                        <p:par>
+                          <p:cTn id="26" fill="hold">
+                            <p:stCondLst>
+                              <p:cond delay="0"/>
+                            </p:stCondLst>
+                            <p:childTnLst>
+                              <p:par>
+                                <p:cTn id="27" presetID="10" presetClass="entr" presetSubtype="0" fill="hold" grpId="0" nodeType="clickEffect">
+                                  <p:stCondLst>
+                                    <p:cond delay="0"/>
+                                  </p:stCondLst>
+                                  <p:childTnLst>
+                                    <p:set>
+                                      <p:cBhvr>
+                                        <p:cTn id="28" dur="1" fill="hold">
+                                          <p:stCondLst>
+                                            <p:cond delay="0"/>
+                                          </p:stCondLst>
+                                        </p:cTn>
+                                        <p:tgtEl>
+                                          <p:spTgt spid="34"/>
+                                        </p:tgtEl>
+                                        <p:attrNameLst>
+                                          <p:attrName>style.visibility</p:attrName>
+                                        </p:attrNameLst>
+                                      </p:cBhvr>
+                                      <p:to>
+                                        <p:strVal val="visible"/>
+                                      </p:to>
+                                    </p:set>
+                                    <p:animEffect transition="in" filter="fade">
+                                      <p:cBhvr>
+                                        <p:cTn id="29" dur="500"/>
+                                        <p:tgtEl>
+                                          <p:spTgt spid="34"/>
+                                        </p:tgtEl>
+                                      </p:cBhvr>
+                                    </p:animEffect>
+                                  </p:childTnLst>
+                                </p:cTn>
+                              </p:par>
+                              <p:par>
+                                <p:cTn id="30" presetID="10" presetClass="entr" presetSubtype="0" fill="hold" grpId="0" nodeType="withEffect">
+                                  <p:stCondLst>
+                                    <p:cond delay="0"/>
+                                  </p:stCondLst>
+                                  <p:childTnLst>
+                                    <p:set>
+                                      <p:cBhvr>
+                                        <p:cTn id="31" dur="1" fill="hold">
+                                          <p:stCondLst>
+                                            <p:cond delay="0"/>
+                                          </p:stCondLst>
+                                        </p:cTn>
+                                        <p:tgtEl>
+                                          <p:spTgt spid="12"/>
+                                        </p:tgtEl>
+                                        <p:attrNameLst>
+                                          <p:attrName>style.visibility</p:attrName>
+                                        </p:attrNameLst>
+                                      </p:cBhvr>
+                                      <p:to>
+                                        <p:strVal val="visible"/>
+                                      </p:to>
+                                    </p:set>
+                                    <p:animEffect transition="in" filter="fade">
+                                      <p:cBhvr>
+                                        <p:cTn id="32" dur="500"/>
+                                        <p:tgtEl>
+                                          <p:spTgt spid="12"/>
+                                        </p:tgtEl>
+                                      </p:cBhvr>
+                                    </p:animEffect>
+                                  </p:childTnLst>
+                                </p:cTn>
+                              </p:par>
+                              <p:par>
+                                <p:cTn id="33" presetID="10" presetClass="entr" presetSubtype="0" fill="hold" nodeType="withEffect">
+                                  <p:stCondLst>
+                                    <p:cond delay="0"/>
+                                  </p:stCondLst>
+                                  <p:childTnLst>
+                                    <p:set>
+                                      <p:cBhvr>
+                                        <p:cTn id="34" dur="1" fill="hold">
+                                          <p:stCondLst>
+                                            <p:cond delay="0"/>
+                                          </p:stCondLst>
+                                        </p:cTn>
+                                        <p:tgtEl>
+                                          <p:spTgt spid="23"/>
+                                        </p:tgtEl>
+                                        <p:attrNameLst>
+                                          <p:attrName>style.visibility</p:attrName>
+                                        </p:attrNameLst>
+                                      </p:cBhvr>
+                                      <p:to>
+                                        <p:strVal val="visible"/>
+                                      </p:to>
+                                    </p:set>
+                                    <p:animEffect transition="in" filter="fade">
+                                      <p:cBhvr>
+                                        <p:cTn id="35" dur="500"/>
+                                        <p:tgtEl>
+                                          <p:spTgt spid="23"/>
+                                        </p:tgtEl>
+                                      </p:cBhvr>
+                                    </p:animEffect>
+                                  </p:childTnLst>
+                                </p:cTn>
+                              </p:par>
+                              <p:par>
+                                <p:cTn id="36" presetID="10" presetClass="entr" presetSubtype="0" fill="hold" grpId="0" nodeType="withEffect">
+                                  <p:stCondLst>
+                                    <p:cond delay="0"/>
+                                  </p:stCondLst>
+                                  <p:childTnLst>
+                                    <p:set>
+                                      <p:cBhvr>
+                                        <p:cTn id="37" dur="1" fill="hold">
+                                          <p:stCondLst>
+                                            <p:cond delay="0"/>
+                                          </p:stCondLst>
+                                        </p:cTn>
+                                        <p:tgtEl>
+                                          <p:spTgt spid="13"/>
+                                        </p:tgtEl>
+                                        <p:attrNameLst>
+                                          <p:attrName>style.visibility</p:attrName>
+                                        </p:attrNameLst>
+                                      </p:cBhvr>
+                                      <p:to>
+                                        <p:strVal val="visible"/>
+                                      </p:to>
+                                    </p:set>
+                                    <p:animEffect transition="in" filter="fade">
+                                      <p:cBhvr>
+                                        <p:cTn id="38" dur="500"/>
+                                        <p:tgtEl>
+                                          <p:spTgt spid="13"/>
+                                        </p:tgtEl>
+                                      </p:cBhvr>
+                                    </p:animEffect>
+                                  </p:childTnLst>
+                                </p:cTn>
+                              </p:par>
+                            </p:childTnLst>
+                          </p:cTn>
+                        </p:par>
+                      </p:childTnLst>
+                    </p:cTn>
+                  </p:par>
+                  <p:par>
+                    <p:cTn id="39" fill="hold">
+                      <p:stCondLst>
+                        <p:cond delay="indefinite"/>
+                      </p:stCondLst>
+                      <p:childTnLst>
+                        <p:par>
+                          <p:cTn id="40" fill="hold">
+                            <p:stCondLst>
+                              <p:cond delay="0"/>
+                            </p:stCondLst>
+                            <p:childTnLst>
+                              <p:par>
+                                <p:cTn id="41" presetID="10" presetClass="entr" presetSubtype="0" fill="hold" grpId="0" nodeType="clickEffect">
+                                  <p:stCondLst>
+                                    <p:cond delay="0"/>
+                                  </p:stCondLst>
+                                  <p:childTnLst>
+                                    <p:set>
+                                      <p:cBhvr>
+                                        <p:cTn id="42" dur="1" fill="hold">
+                                          <p:stCondLst>
+                                            <p:cond delay="0"/>
+                                          </p:stCondLst>
+                                        </p:cTn>
+                                        <p:tgtEl>
+                                          <p:spTgt spid="14"/>
+                                        </p:tgtEl>
+                                        <p:attrNameLst>
+                                          <p:attrName>style.visibility</p:attrName>
+                                        </p:attrNameLst>
+                                      </p:cBhvr>
+                                      <p:to>
+                                        <p:strVal val="visible"/>
+                                      </p:to>
+                                    </p:set>
+                                    <p:animEffect transition="in" filter="fade">
+                                      <p:cBhvr>
+                                        <p:cTn id="43" dur="500"/>
+                                        <p:tgtEl>
+                                          <p:spTgt spid="14"/>
+                                        </p:tgtEl>
+                                      </p:cBhvr>
+                                    </p:animEffect>
+                                  </p:childTnLst>
+                                </p:cTn>
+                              </p:par>
+                              <p:par>
+                                <p:cTn id="44" presetID="10" presetClass="entr" presetSubtype="0" fill="hold" nodeType="withEffect">
+                                  <p:stCondLst>
+                                    <p:cond delay="0"/>
+                                  </p:stCondLst>
+                                  <p:childTnLst>
+                                    <p:set>
+                                      <p:cBhvr>
+                                        <p:cTn id="45" dur="1" fill="hold">
+                                          <p:stCondLst>
+                                            <p:cond delay="0"/>
+                                          </p:stCondLst>
+                                        </p:cTn>
+                                        <p:tgtEl>
+                                          <p:spTgt spid="26"/>
+                                        </p:tgtEl>
+                                        <p:attrNameLst>
+                                          <p:attrName>style.visibility</p:attrName>
+                                        </p:attrNameLst>
+                                      </p:cBhvr>
+                                      <p:to>
+                                        <p:strVal val="visible"/>
+                                      </p:to>
+                                    </p:set>
+                                    <p:animEffect transition="in" filter="fade">
+                                      <p:cBhvr>
+                                        <p:cTn id="46" dur="500"/>
+                                        <p:tgtEl>
+                                          <p:spTgt spid="26"/>
+                                        </p:tgtEl>
+                                      </p:cBhvr>
+                                    </p:animEffect>
+                                  </p:childTnLst>
+                                </p:cTn>
+                              </p:par>
+                              <p:par>
+                                <p:cTn id="47" presetID="10" presetClass="entr" presetSubtype="0" fill="hold" grpId="0" nodeType="withEffect">
+                                  <p:stCondLst>
+                                    <p:cond delay="0"/>
+                                  </p:stCondLst>
+                                  <p:childTnLst>
+                                    <p:set>
+                                      <p:cBhvr>
+                                        <p:cTn id="48" dur="1" fill="hold">
+                                          <p:stCondLst>
+                                            <p:cond delay="0"/>
+                                          </p:stCondLst>
+                                        </p:cTn>
+                                        <p:tgtEl>
+                                          <p:spTgt spid="35"/>
+                                        </p:tgtEl>
+                                        <p:attrNameLst>
+                                          <p:attrName>style.visibility</p:attrName>
+                                        </p:attrNameLst>
+                                      </p:cBhvr>
+                                      <p:to>
+                                        <p:strVal val="visible"/>
+                                      </p:to>
+                                    </p:set>
+                                    <p:animEffect transition="in" filter="fade">
+                                      <p:cBhvr>
+                                        <p:cTn id="49" dur="500"/>
+                                        <p:tgtEl>
+                                          <p:spTgt spid="35"/>
+                                        </p:tgtEl>
+                                      </p:cBhvr>
+                                    </p:animEffect>
+                                  </p:childTnLst>
+                                </p:cTn>
+                              </p:par>
+                              <p:par>
+                                <p:cTn id="50" presetID="10" presetClass="entr" presetSubtype="0" fill="hold" grpId="0" nodeType="withEffect">
+                                  <p:stCondLst>
+                                    <p:cond delay="0"/>
+                                  </p:stCondLst>
+                                  <p:childTnLst>
+                                    <p:set>
+                                      <p:cBhvr>
+                                        <p:cTn id="51" dur="1" fill="hold">
+                                          <p:stCondLst>
+                                            <p:cond delay="0"/>
+                                          </p:stCondLst>
+                                        </p:cTn>
+                                        <p:tgtEl>
+                                          <p:spTgt spid="15"/>
+                                        </p:tgtEl>
+                                        <p:attrNameLst>
+                                          <p:attrName>style.visibility</p:attrName>
+                                        </p:attrNameLst>
+                                      </p:cBhvr>
+                                      <p:to>
+                                        <p:strVal val="visible"/>
+                                      </p:to>
+                                    </p:set>
+                                    <p:animEffect transition="in" filter="fade">
+                                      <p:cBhvr>
+                                        <p:cTn id="52" dur="500"/>
+                                        <p:tgtEl>
+                                          <p:spTgt spid="15"/>
+                                        </p:tgtEl>
+                                      </p:cBhvr>
+                                    </p:animEffect>
+                                  </p:childTnLst>
+                                </p:cTn>
+                              </p:par>
+                            </p:childTnLst>
+                          </p:cTn>
+                        </p:par>
+                      </p:childTnLst>
+                    </p:cTn>
+                  </p:par>
+                  <p:par>
+                    <p:cTn id="53" fill="hold">
+                      <p:stCondLst>
+                        <p:cond delay="indefinite"/>
+                      </p:stCondLst>
+                      <p:childTnLst>
+                        <p:par>
+                          <p:cTn id="54" fill="hold">
+                            <p:stCondLst>
+                              <p:cond delay="0"/>
+                            </p:stCondLst>
+                            <p:childTnLst>
+                              <p:par>
+                                <p:cTn id="55" presetID="10" presetClass="entr" presetSubtype="0" fill="hold" grpId="0" nodeType="clickEffect">
+                                  <p:stCondLst>
+                                    <p:cond delay="0"/>
+                                  </p:stCondLst>
+                                  <p:childTnLst>
+                                    <p:set>
+                                      <p:cBhvr>
+                                        <p:cTn id="56" dur="1" fill="hold">
+                                          <p:stCondLst>
+                                            <p:cond delay="0"/>
+                                          </p:stCondLst>
+                                        </p:cTn>
+                                        <p:tgtEl>
+                                          <p:spTgt spid="16"/>
+                                        </p:tgtEl>
+                                        <p:attrNameLst>
+                                          <p:attrName>style.visibility</p:attrName>
+                                        </p:attrNameLst>
+                                      </p:cBhvr>
+                                      <p:to>
+                                        <p:strVal val="visible"/>
+                                      </p:to>
+                                    </p:set>
+                                    <p:animEffect transition="in" filter="fade">
+                                      <p:cBhvr>
+                                        <p:cTn id="57" dur="500"/>
+                                        <p:tgtEl>
+                                          <p:spTgt spid="16"/>
+                                        </p:tgtEl>
+                                      </p:cBhvr>
+                                    </p:animEffect>
+                                  </p:childTnLst>
+                                </p:cTn>
+                              </p:par>
+                              <p:par>
+                                <p:cTn id="58" presetID="10" presetClass="entr" presetSubtype="0" fill="hold" nodeType="withEffect">
+                                  <p:stCondLst>
+                                    <p:cond delay="0"/>
+                                  </p:stCondLst>
+                                  <p:childTnLst>
+                                    <p:set>
+                                      <p:cBhvr>
+                                        <p:cTn id="59" dur="1" fill="hold">
+                                          <p:stCondLst>
+                                            <p:cond delay="0"/>
+                                          </p:stCondLst>
+                                        </p:cTn>
+                                        <p:tgtEl>
+                                          <p:spTgt spid="29"/>
+                                        </p:tgtEl>
+                                        <p:attrNameLst>
+                                          <p:attrName>style.visibility</p:attrName>
+                                        </p:attrNameLst>
+                                      </p:cBhvr>
+                                      <p:to>
+                                        <p:strVal val="visible"/>
+                                      </p:to>
+                                    </p:set>
+                                    <p:animEffect transition="in" filter="fade">
+                                      <p:cBhvr>
+                                        <p:cTn id="60" dur="500"/>
+                                        <p:tgtEl>
+                                          <p:spTgt spid="29"/>
+                                        </p:tgtEl>
+                                      </p:cBhvr>
+                                    </p:animEffect>
+                                  </p:childTnLst>
+                                </p:cTn>
+                              </p:par>
+                              <p:par>
+                                <p:cTn id="61" presetID="10" presetClass="entr" presetSubtype="0" fill="hold" grpId="0" nodeType="withEffect">
+                                  <p:stCondLst>
+                                    <p:cond delay="0"/>
+                                  </p:stCondLst>
+                                  <p:childTnLst>
+                                    <p:set>
+                                      <p:cBhvr>
+                                        <p:cTn id="62" dur="1" fill="hold">
+                                          <p:stCondLst>
+                                            <p:cond delay="0"/>
+                                          </p:stCondLst>
+                                        </p:cTn>
+                                        <p:tgtEl>
+                                          <p:spTgt spid="17"/>
+                                        </p:tgtEl>
+                                        <p:attrNameLst>
+                                          <p:attrName>style.visibility</p:attrName>
+                                        </p:attrNameLst>
+                                      </p:cBhvr>
+                                      <p:to>
+                                        <p:strVal val="visible"/>
+                                      </p:to>
+                                    </p:set>
+                                    <p:animEffect transition="in" filter="fade">
+                                      <p:cBhvr>
+                                        <p:cTn id="63" dur="500"/>
+                                        <p:tgtEl>
+                                          <p:spTgt spid="17"/>
+                                        </p:tgtEl>
+                                      </p:cBhvr>
+                                    </p:animEffect>
+                                  </p:childTnLst>
+                                </p:cTn>
+                              </p:par>
+                              <p:par>
+                                <p:cTn id="64" presetID="10" presetClass="entr" presetSubtype="0" fill="hold" grpId="0" nodeType="withEffect">
+                                  <p:stCondLst>
+                                    <p:cond delay="0"/>
+                                  </p:stCondLst>
+                                  <p:childTnLst>
+                                    <p:set>
+                                      <p:cBhvr>
+                                        <p:cTn id="65" dur="1" fill="hold">
+                                          <p:stCondLst>
+                                            <p:cond delay="0"/>
+                                          </p:stCondLst>
+                                        </p:cTn>
+                                        <p:tgtEl>
+                                          <p:spTgt spid="36"/>
+                                        </p:tgtEl>
+                                        <p:attrNameLst>
+                                          <p:attrName>style.visibility</p:attrName>
+                                        </p:attrNameLst>
+                                      </p:cBhvr>
+                                      <p:to>
+                                        <p:strVal val="visible"/>
+                                      </p:to>
+                                    </p:set>
+                                    <p:animEffect transition="in" filter="fade">
+                                      <p:cBhvr>
+                                        <p:cTn id="66" dur="500"/>
+                                        <p:tgtEl>
+                                          <p:spTgt spid="36"/>
+                                        </p:tgtEl>
+                                      </p:cBhvr>
+                                    </p:animEffect>
+                                  </p:childTnLst>
+                                </p:cTn>
+                              </p:par>
+                            </p:childTnLst>
+                          </p:cTn>
+                        </p:par>
+                      </p:childTnLst>
+                    </p:cTn>
+                  </p:par>
+                  <p:par>
+                    <p:cTn id="67" fill="hold">
+                      <p:stCondLst>
+                        <p:cond delay="indefinite"/>
+                      </p:stCondLst>
+                      <p:childTnLst>
+                        <p:par>
+                          <p:cTn id="68" fill="hold">
+                            <p:stCondLst>
+                              <p:cond delay="0"/>
+                            </p:stCondLst>
+                            <p:childTnLst>
+                              <p:par>
+                                <p:cTn id="69" presetID="10" presetClass="entr" presetSubtype="0" fill="hold" grpId="0" nodeType="clickEffect">
+                                  <p:stCondLst>
+                                    <p:cond delay="0"/>
+                                  </p:stCondLst>
+                                  <p:childTnLst>
+                                    <p:set>
+                                      <p:cBhvr>
+                                        <p:cTn id="70" dur="1" fill="hold">
+                                          <p:stCondLst>
+                                            <p:cond delay="0"/>
+                                          </p:stCondLst>
+                                        </p:cTn>
+                                        <p:tgtEl>
+                                          <p:spTgt spid="37"/>
+                                        </p:tgtEl>
+                                        <p:attrNameLst>
+                                          <p:attrName>style.visibility</p:attrName>
+                                        </p:attrNameLst>
+                                      </p:cBhvr>
+                                      <p:to>
+                                        <p:strVal val="visible"/>
+                                      </p:to>
+                                    </p:set>
+                                    <p:animEffect transition="in" filter="fade">
+                                      <p:cBhvr>
+                                        <p:cTn id="71" dur="500"/>
+                                        <p:tgtEl>
+                                          <p:spTgt spid="37"/>
+                                        </p:tgtEl>
+                                      </p:cBhvr>
+                                    </p:animEffect>
+                                  </p:childTnLst>
+                                </p:cTn>
+                              </p:par>
+                              <p:par>
+                                <p:cTn id="72" presetID="10" presetClass="entr" presetSubtype="0" fill="hold" grpId="0" nodeType="withEffect">
+                                  <p:stCondLst>
+                                    <p:cond delay="0"/>
+                                  </p:stCondLst>
+                                  <p:childTnLst>
+                                    <p:set>
+                                      <p:cBhvr>
+                                        <p:cTn id="73" dur="1" fill="hold">
+                                          <p:stCondLst>
+                                            <p:cond delay="0"/>
+                                          </p:stCondLst>
+                                        </p:cTn>
+                                        <p:tgtEl>
+                                          <p:spTgt spid="38"/>
+                                        </p:tgtEl>
+                                        <p:attrNameLst>
+                                          <p:attrName>style.visibility</p:attrName>
+                                        </p:attrNameLst>
+                                      </p:cBhvr>
+                                      <p:to>
+                                        <p:strVal val="visible"/>
+                                      </p:to>
+                                    </p:set>
+                                    <p:animEffect transition="in" filter="fade">
+                                      <p:cBhvr>
+                                        <p:cTn id="74" dur="500"/>
+                                        <p:tgtEl>
+                                          <p:spTgt spid="38"/>
+                                        </p:tgtEl>
+                                      </p:cBhvr>
+                                    </p:animEffect>
+                                  </p:childTnLst>
+                                </p:cTn>
+                              </p:par>
+                              <p:par>
+                                <p:cTn id="75" presetID="10" presetClass="entr" presetSubtype="0" fill="hold" grpId="0" nodeType="withEffect">
+                                  <p:stCondLst>
+                                    <p:cond delay="0"/>
+                                  </p:stCondLst>
+                                  <p:childTnLst>
+                                    <p:set>
+                                      <p:cBhvr>
+                                        <p:cTn id="76" dur="1" fill="hold">
+                                          <p:stCondLst>
+                                            <p:cond delay="0"/>
+                                          </p:stCondLst>
+                                        </p:cTn>
+                                        <p:tgtEl>
+                                          <p:spTgt spid="39"/>
+                                        </p:tgtEl>
+                                        <p:attrNameLst>
+                                          <p:attrName>style.visibility</p:attrName>
+                                        </p:attrNameLst>
+                                      </p:cBhvr>
+                                      <p:to>
+                                        <p:strVal val="visible"/>
+                                      </p:to>
+                                    </p:set>
+                                    <p:animEffect transition="in" filter="fade">
+                                      <p:cBhvr>
+                                        <p:cTn id="77" dur="500"/>
+                                        <p:tgtEl>
+                                          <p:spTgt spid="39"/>
+                                        </p:tgtEl>
+                                      </p:cBhvr>
+                                    </p:animEffect>
+                                  </p:childTnLst>
+                                </p:cTn>
+                              </p:par>
+                            </p:childTnLst>
+                          </p:cTn>
+                        </p:par>
+                      </p:childTnLst>
+                    </p:cTn>
+                  </p:par>
+                </p:childTnLst>
+              </p:cTn>
+              <p:prevCondLst>
+                <p:cond evt="onPrev" delay="0">
+                  <p:tgtEl>
+                    <p:sldTgt/>
+                  </p:tgtEl>
+                </p:cond>
+              </p:prevCondLst>
+              <p:nextCondLst>
+                <p:cond evt="onNext" delay="0">
+                  <p:tgtEl>
+                    <p:sldTgt/>
+                  </p:tgtEl>
+                </p:cond>
+              </p:nextCondLst>
+            </p:seq>
+          </p:childTnLst>
+        </p:cTn>
+      </p:par>
+    </p:tnLst>
+    <p:bldLst>
+      <p:bldP spid="8" grpId="0"/>
+      <p:bldP spid="9" grpId="0"/>
+      <p:bldP spid="10" grpId="0"/>
+      <p:bldP spid="11" grpId="0"/>
+      <p:bldP spid="12" grpId="0"/>
+      <p:bldP spid="13" grpId="0"/>
+      <p:bldP spid="14" grpId="0"/>
+      <p:bldP spid="15" grpId="0"/>
+      <p:bldP spid="16" grpId="0"/>
+      <p:bldP spid="17" grpId="0"/>
+      <p:bldP spid="33" grpId="0"/>
+      <p:bldP spid="34" grpId="0"/>
+      <p:bldP spid="35" grpId="0"/>
+      <p:bldP spid="36" grpId="0"/>
+      <p:bldP spid="37" grpId="0"/>
+      <p:bldP spid="38" grpId="0"/>
+      <p:bldP spid="39" grpId="0"/>
+    </p:bldLst>
+  </p:timing>
 </p:sld>
 </file>
 
 <file path=ppt/slides/slide5.xml><?xml version="1.0" encoding="utf-8"?>
+<p:sld xmlns:a="http://schemas.openxmlformats.org/drawingml/2006/main" xmlns:r="http://schemas.openxmlformats.org/officeDocument/2006/relationships" xmlns:p="http://schemas.openxmlformats.org/presentationml/2006/main">
+  <p:cSld>
+    <p:spTree>
+      <p:nvGrpSpPr>
+        <p:cNvPr id="1" name=""/>
+        <p:cNvGrpSpPr/>
+        <p:nvPr/>
+      </p:nvGrpSpPr>
+      <p:grpSpPr>
+        <a:xfrm>
+          <a:off x="0" y="0"/>
+          <a:ext cx="0" cy="0"/>
+          <a:chOff x="0" y="0"/>
+          <a:chExt cx="0" cy="0"/>
+        </a:xfrm>
+      </p:grpSpPr>
+      <p:sp>
+        <p:nvSpPr>
+          <p:cNvPr id="2" name="Titel 1">
+            <a:extLst>
+              <a:ext uri="{FF2B5EF4-FFF2-40B4-BE49-F238E27FC236}">
+                <a16:creationId xmlns:a16="http://schemas.microsoft.com/office/drawing/2014/main" id="{713DD4C8-1829-45CE-9CC2-1D8476544919}"/>
+              </a:ext>
+            </a:extLst>
+          </p:cNvPr>
+          <p:cNvSpPr>
+            <a:spLocks noGrp="1"/>
+          </p:cNvSpPr>
+          <p:nvPr>
+            <p:ph type="title"/>
+          </p:nvPr>
+        </p:nvSpPr>
+        <p:spPr/>
+        <p:txBody>
+          <a:bodyPr/>
+          <a:lstStyle/>
+          <a:p>
+            <a:r>
+              <a:rPr lang="de-DE" dirty="0"/>
+              <a:t>Strategien: </a:t>
+            </a:r>
+            <a:r>
+              <a:rPr lang="de-DE" dirty="0" err="1"/>
+              <a:t>Grim</a:t>
+            </a:r>
+            <a:endParaRPr lang="de-DE" dirty="0"/>
+          </a:p>
+        </p:txBody>
+      </p:sp>
+      <p:pic>
+        <p:nvPicPr>
+          <p:cNvPr id="5" name="Grafik 4" descr="Lachendes Gesicht ohne Füllung">
+            <a:extLst>
+              <a:ext uri="{FF2B5EF4-FFF2-40B4-BE49-F238E27FC236}">
+                <a16:creationId xmlns:a16="http://schemas.microsoft.com/office/drawing/2014/main" id="{A35AC728-1152-4C33-99B5-EBFD278C1F63}"/>
+              </a:ext>
+            </a:extLst>
+          </p:cNvPr>
+          <p:cNvPicPr>
+            <a:picLocks noChangeAspect="1"/>
+          </p:cNvPicPr>
+          <p:nvPr/>
+        </p:nvPicPr>
+        <p:blipFill>
+          <a:blip r:embed="rId2">
+            <a:extLst>
+              <a:ext uri="{28A0092B-C50C-407E-A947-70E740481C1C}">
+                <a14:useLocalDpi xmlns:a14="http://schemas.microsoft.com/office/drawing/2010/main" val="0"/>
+              </a:ext>
+              <a:ext uri="{96DAC541-7B7A-43D3-8B79-37D633B846F1}">
+                <asvg:svgBlip xmlns:asvg="http://schemas.microsoft.com/office/drawing/2016/SVG/main" r:embed="rId3"/>
+              </a:ext>
+            </a:extLst>
+          </a:blip>
+          <a:stretch>
+            <a:fillRect/>
+          </a:stretch>
+        </p:blipFill>
+        <p:spPr>
+          <a:xfrm>
+            <a:off x="4098507" y="2274959"/>
+            <a:ext cx="914400" cy="914400"/>
+          </a:xfrm>
+          <a:prstGeom prst="rect">
+            <a:avLst/>
+          </a:prstGeom>
+        </p:spPr>
+      </p:pic>
+      <p:pic>
+        <p:nvPicPr>
+          <p:cNvPr id="6" name="Grafik 5" descr="Lachendes Gesicht ohne Füllung">
+            <a:extLst>
+              <a:ext uri="{FF2B5EF4-FFF2-40B4-BE49-F238E27FC236}">
+                <a16:creationId xmlns:a16="http://schemas.microsoft.com/office/drawing/2014/main" id="{DD7FB1D5-A475-40D6-AE77-E2A406D98782}"/>
+              </a:ext>
+            </a:extLst>
+          </p:cNvPr>
+          <p:cNvPicPr>
+            <a:picLocks noChangeAspect="1"/>
+          </p:cNvPicPr>
+          <p:nvPr/>
+        </p:nvPicPr>
+        <p:blipFill>
+          <a:blip r:embed="rId4">
+            <a:extLst>
+              <a:ext uri="{28A0092B-C50C-407E-A947-70E740481C1C}">
+                <a14:useLocalDpi xmlns:a14="http://schemas.microsoft.com/office/drawing/2010/main" val="0"/>
+              </a:ext>
+              <a:ext uri="{96DAC541-7B7A-43D3-8B79-37D633B846F1}">
+                <asvg:svgBlip xmlns:asvg="http://schemas.microsoft.com/office/drawing/2016/SVG/main" r:embed="rId5"/>
+              </a:ext>
+            </a:extLst>
+          </a:blip>
+          <a:stretch>
+            <a:fillRect/>
+          </a:stretch>
+        </p:blipFill>
+        <p:spPr>
+          <a:xfrm>
+            <a:off x="6573944" y="2274959"/>
+            <a:ext cx="914400" cy="914400"/>
+          </a:xfrm>
+          <a:prstGeom prst="rect">
+            <a:avLst/>
+          </a:prstGeom>
+        </p:spPr>
+      </p:pic>
+      <p:cxnSp>
+        <p:nvCxnSpPr>
+          <p:cNvPr id="7" name="Gerader Verbinder 6">
+            <a:extLst>
+              <a:ext uri="{FF2B5EF4-FFF2-40B4-BE49-F238E27FC236}">
+                <a16:creationId xmlns:a16="http://schemas.microsoft.com/office/drawing/2014/main" id="{E46F7DF8-176E-41F4-A59B-B4D6F5B24415}"/>
+              </a:ext>
+            </a:extLst>
+          </p:cNvPr>
+          <p:cNvCxnSpPr>
+            <a:cxnSpLocks/>
+          </p:cNvCxnSpPr>
+          <p:nvPr/>
+        </p:nvCxnSpPr>
+        <p:spPr>
+          <a:xfrm>
+            <a:off x="5793425" y="2425149"/>
+            <a:ext cx="0" cy="3412525"/>
+          </a:xfrm>
+          <a:prstGeom prst="line">
+            <a:avLst/>
+          </a:prstGeom>
+          <a:ln>
+            <a:solidFill>
+              <a:schemeClr val="tx1"/>
+            </a:solidFill>
+          </a:ln>
+        </p:spPr>
+        <p:style>
+          <a:lnRef idx="1">
+            <a:schemeClr val="accent1"/>
+          </a:lnRef>
+          <a:fillRef idx="0">
+            <a:schemeClr val="accent1"/>
+          </a:fillRef>
+          <a:effectRef idx="0">
+            <a:schemeClr val="accent1"/>
+          </a:effectRef>
+          <a:fontRef idx="minor">
+            <a:schemeClr val="tx1"/>
+          </a:fontRef>
+        </p:style>
+      </p:cxnSp>
+      <p:sp>
+        <p:nvSpPr>
+          <p:cNvPr id="8" name="Textfeld 7">
+            <a:extLst>
+              <a:ext uri="{FF2B5EF4-FFF2-40B4-BE49-F238E27FC236}">
+                <a16:creationId xmlns:a16="http://schemas.microsoft.com/office/drawing/2014/main" id="{0BC916E9-4B35-4AB7-BBFE-91531BCCFBD2}"/>
+              </a:ext>
+            </a:extLst>
+          </p:cNvPr>
+          <p:cNvSpPr txBox="1"/>
+          <p:nvPr/>
+        </p:nvSpPr>
+        <p:spPr>
+          <a:xfrm>
+            <a:off x="3971925" y="3349690"/>
+            <a:ext cx="1167564" cy="369332"/>
+          </a:xfrm>
+          <a:prstGeom prst="rect">
+            <a:avLst/>
+          </a:prstGeom>
+          <a:noFill/>
+        </p:spPr>
+        <p:txBody>
+          <a:bodyPr wrap="none" rtlCol="0">
+            <a:spAutoFit/>
+          </a:bodyPr>
+          <a:lstStyle/>
+          <a:p>
+            <a:pPr algn="ctr"/>
+            <a:r>
+              <a:rPr lang="de-DE" dirty="0"/>
+              <a:t>kooperiert</a:t>
+            </a:r>
+          </a:p>
+        </p:txBody>
+      </p:sp>
+      <p:sp>
+        <p:nvSpPr>
+          <p:cNvPr id="9" name="Textfeld 8">
+            <a:extLst>
+              <a:ext uri="{FF2B5EF4-FFF2-40B4-BE49-F238E27FC236}">
+                <a16:creationId xmlns:a16="http://schemas.microsoft.com/office/drawing/2014/main" id="{3D8A5E24-A811-47F8-8F82-6DB066071CC1}"/>
+              </a:ext>
+            </a:extLst>
+          </p:cNvPr>
+          <p:cNvSpPr txBox="1"/>
+          <p:nvPr/>
+        </p:nvSpPr>
+        <p:spPr>
+          <a:xfrm>
+            <a:off x="6447362" y="3349690"/>
+            <a:ext cx="1167564" cy="369332"/>
+          </a:xfrm>
+          <a:prstGeom prst="rect">
+            <a:avLst/>
+          </a:prstGeom>
+          <a:noFill/>
+        </p:spPr>
+        <p:txBody>
+          <a:bodyPr wrap="none" rtlCol="0">
+            <a:spAutoFit/>
+          </a:bodyPr>
+          <a:lstStyle/>
+          <a:p>
+            <a:pPr algn="ctr"/>
+            <a:r>
+              <a:rPr lang="de-DE" dirty="0"/>
+              <a:t>kooperiert</a:t>
+            </a:r>
+          </a:p>
+        </p:txBody>
+      </p:sp>
+      <p:sp>
+        <p:nvSpPr>
+          <p:cNvPr id="10" name="Textfeld 9">
+            <a:extLst>
+              <a:ext uri="{FF2B5EF4-FFF2-40B4-BE49-F238E27FC236}">
+                <a16:creationId xmlns:a16="http://schemas.microsoft.com/office/drawing/2014/main" id="{FAF85373-2C06-4147-B2F7-6E57DB91B44F}"/>
+              </a:ext>
+            </a:extLst>
+          </p:cNvPr>
+          <p:cNvSpPr txBox="1"/>
+          <p:nvPr/>
+        </p:nvSpPr>
+        <p:spPr>
+          <a:xfrm>
+            <a:off x="3971925" y="3879353"/>
+            <a:ext cx="1167564" cy="369332"/>
+          </a:xfrm>
+          <a:prstGeom prst="rect">
+            <a:avLst/>
+          </a:prstGeom>
+          <a:noFill/>
+        </p:spPr>
+        <p:txBody>
+          <a:bodyPr wrap="none" rtlCol="0">
+            <a:spAutoFit/>
+          </a:bodyPr>
+          <a:lstStyle/>
+          <a:p>
+            <a:pPr algn="ctr"/>
+            <a:r>
+              <a:rPr lang="de-DE" dirty="0"/>
+              <a:t>kooperiert</a:t>
+            </a:r>
+          </a:p>
+        </p:txBody>
+      </p:sp>
+      <p:sp>
+        <p:nvSpPr>
+          <p:cNvPr id="11" name="Textfeld 10">
+            <a:extLst>
+              <a:ext uri="{FF2B5EF4-FFF2-40B4-BE49-F238E27FC236}">
+                <a16:creationId xmlns:a16="http://schemas.microsoft.com/office/drawing/2014/main" id="{D6E58358-22AE-47FC-A85D-C5CD2C8E78C0}"/>
+              </a:ext>
+            </a:extLst>
+          </p:cNvPr>
+          <p:cNvSpPr txBox="1"/>
+          <p:nvPr/>
+        </p:nvSpPr>
+        <p:spPr>
+          <a:xfrm>
+            <a:off x="6186331" y="3879353"/>
+            <a:ext cx="1689630" cy="369332"/>
+          </a:xfrm>
+          <a:prstGeom prst="rect">
+            <a:avLst/>
+          </a:prstGeom>
+          <a:noFill/>
+        </p:spPr>
+        <p:txBody>
+          <a:bodyPr wrap="none" rtlCol="0">
+            <a:spAutoFit/>
+          </a:bodyPr>
+          <a:lstStyle/>
+          <a:p>
+            <a:pPr algn="ctr"/>
+            <a:r>
+              <a:rPr lang="de-DE" dirty="0"/>
+              <a:t>kooperiert nicht</a:t>
+            </a:r>
+          </a:p>
+        </p:txBody>
+      </p:sp>
+      <p:sp>
+        <p:nvSpPr>
+          <p:cNvPr id="12" name="Textfeld 11">
+            <a:extLst>
+              <a:ext uri="{FF2B5EF4-FFF2-40B4-BE49-F238E27FC236}">
+                <a16:creationId xmlns:a16="http://schemas.microsoft.com/office/drawing/2014/main" id="{F8395C88-E38A-43EC-B19C-9771CF6194BB}"/>
+              </a:ext>
+            </a:extLst>
+          </p:cNvPr>
+          <p:cNvSpPr txBox="1"/>
+          <p:nvPr/>
+        </p:nvSpPr>
+        <p:spPr>
+          <a:xfrm>
+            <a:off x="3710894" y="4409016"/>
+            <a:ext cx="1689630" cy="369332"/>
+          </a:xfrm>
+          <a:prstGeom prst="rect">
+            <a:avLst/>
+          </a:prstGeom>
+          <a:noFill/>
+        </p:spPr>
+        <p:txBody>
+          <a:bodyPr wrap="none" rtlCol="0">
+            <a:spAutoFit/>
+          </a:bodyPr>
+          <a:lstStyle/>
+          <a:p>
+            <a:pPr algn="ctr"/>
+            <a:r>
+              <a:rPr lang="de-DE" dirty="0"/>
+              <a:t>kooperiert nicht</a:t>
+            </a:r>
+          </a:p>
+        </p:txBody>
+      </p:sp>
+      <p:sp>
+        <p:nvSpPr>
+          <p:cNvPr id="13" name="Textfeld 12">
+            <a:extLst>
+              <a:ext uri="{FF2B5EF4-FFF2-40B4-BE49-F238E27FC236}">
+                <a16:creationId xmlns:a16="http://schemas.microsoft.com/office/drawing/2014/main" id="{479E0B52-2BDD-4A75-9185-B1622C3E76FA}"/>
+              </a:ext>
+            </a:extLst>
+          </p:cNvPr>
+          <p:cNvSpPr txBox="1"/>
+          <p:nvPr/>
+        </p:nvSpPr>
+        <p:spPr>
+          <a:xfrm>
+            <a:off x="6447138" y="4409016"/>
+            <a:ext cx="1167564" cy="369332"/>
+          </a:xfrm>
+          <a:prstGeom prst="rect">
+            <a:avLst/>
+          </a:prstGeom>
+          <a:noFill/>
+        </p:spPr>
+        <p:txBody>
+          <a:bodyPr wrap="none" rtlCol="0">
+            <a:spAutoFit/>
+          </a:bodyPr>
+          <a:lstStyle/>
+          <a:p>
+            <a:pPr algn="ctr"/>
+            <a:r>
+              <a:rPr lang="de-DE" dirty="0"/>
+              <a:t>kooperiert</a:t>
+            </a:r>
+          </a:p>
+        </p:txBody>
+      </p:sp>
+      <p:sp>
+        <p:nvSpPr>
+          <p:cNvPr id="14" name="Textfeld 13">
+            <a:extLst>
+              <a:ext uri="{FF2B5EF4-FFF2-40B4-BE49-F238E27FC236}">
+                <a16:creationId xmlns:a16="http://schemas.microsoft.com/office/drawing/2014/main" id="{582F1994-1756-4037-8FFC-79E6EF87E5EB}"/>
+              </a:ext>
+            </a:extLst>
+          </p:cNvPr>
+          <p:cNvSpPr txBox="1"/>
+          <p:nvPr/>
+        </p:nvSpPr>
+        <p:spPr>
+          <a:xfrm>
+            <a:off x="3710896" y="4938679"/>
+            <a:ext cx="1689630" cy="369332"/>
+          </a:xfrm>
+          <a:prstGeom prst="rect">
+            <a:avLst/>
+          </a:prstGeom>
+          <a:noFill/>
+        </p:spPr>
+        <p:txBody>
+          <a:bodyPr wrap="none" rtlCol="0">
+            <a:spAutoFit/>
+          </a:bodyPr>
+          <a:lstStyle/>
+          <a:p>
+            <a:pPr algn="ctr"/>
+            <a:r>
+              <a:rPr lang="de-DE" dirty="0"/>
+              <a:t>kooperiert nicht</a:t>
+            </a:r>
+          </a:p>
+        </p:txBody>
+      </p:sp>
+      <p:sp>
+        <p:nvSpPr>
+          <p:cNvPr id="15" name="Textfeld 14">
+            <a:extLst>
+              <a:ext uri="{FF2B5EF4-FFF2-40B4-BE49-F238E27FC236}">
+                <a16:creationId xmlns:a16="http://schemas.microsoft.com/office/drawing/2014/main" id="{1C09387F-4FBF-46F2-9558-76DB7430F575}"/>
+              </a:ext>
+            </a:extLst>
+          </p:cNvPr>
+          <p:cNvSpPr txBox="1"/>
+          <p:nvPr/>
+        </p:nvSpPr>
+        <p:spPr>
+          <a:xfrm>
+            <a:off x="6186331" y="4938679"/>
+            <a:ext cx="1689630" cy="369332"/>
+          </a:xfrm>
+          <a:prstGeom prst="rect">
+            <a:avLst/>
+          </a:prstGeom>
+          <a:noFill/>
+        </p:spPr>
+        <p:txBody>
+          <a:bodyPr wrap="none" rtlCol="0">
+            <a:spAutoFit/>
+          </a:bodyPr>
+          <a:lstStyle/>
+          <a:p>
+            <a:pPr algn="ctr"/>
+            <a:r>
+              <a:rPr lang="de-DE" dirty="0"/>
+              <a:t>kooperiert nicht</a:t>
+            </a:r>
+          </a:p>
+        </p:txBody>
+      </p:sp>
+      <p:sp>
+        <p:nvSpPr>
+          <p:cNvPr id="16" name="Textfeld 15">
+            <a:extLst>
+              <a:ext uri="{FF2B5EF4-FFF2-40B4-BE49-F238E27FC236}">
+                <a16:creationId xmlns:a16="http://schemas.microsoft.com/office/drawing/2014/main" id="{DE2770C8-4B81-4ED9-BB28-74B68A582EF6}"/>
+              </a:ext>
+            </a:extLst>
+          </p:cNvPr>
+          <p:cNvSpPr txBox="1"/>
+          <p:nvPr/>
+        </p:nvSpPr>
+        <p:spPr>
+          <a:xfrm>
+            <a:off x="3710894" y="5468342"/>
+            <a:ext cx="1689630" cy="369332"/>
+          </a:xfrm>
+          <a:prstGeom prst="rect">
+            <a:avLst/>
+          </a:prstGeom>
+          <a:noFill/>
+        </p:spPr>
+        <p:txBody>
+          <a:bodyPr wrap="none" rtlCol="0">
+            <a:spAutoFit/>
+          </a:bodyPr>
+          <a:lstStyle/>
+          <a:p>
+            <a:pPr algn="ctr"/>
+            <a:r>
+              <a:rPr lang="de-DE" dirty="0"/>
+              <a:t>kooperiert nicht</a:t>
+            </a:r>
+          </a:p>
+        </p:txBody>
+      </p:sp>
+      <p:sp>
+        <p:nvSpPr>
+          <p:cNvPr id="17" name="Textfeld 16">
+            <a:extLst>
+              <a:ext uri="{FF2B5EF4-FFF2-40B4-BE49-F238E27FC236}">
+                <a16:creationId xmlns:a16="http://schemas.microsoft.com/office/drawing/2014/main" id="{5EA66A5D-035A-4A7B-BC96-248D0C84D100}"/>
+              </a:ext>
+            </a:extLst>
+          </p:cNvPr>
+          <p:cNvSpPr txBox="1"/>
+          <p:nvPr/>
+        </p:nvSpPr>
+        <p:spPr>
+          <a:xfrm>
+            <a:off x="6447362" y="5468342"/>
+            <a:ext cx="1167564" cy="369332"/>
+          </a:xfrm>
+          <a:prstGeom prst="rect">
+            <a:avLst/>
+          </a:prstGeom>
+          <a:noFill/>
+        </p:spPr>
+        <p:txBody>
+          <a:bodyPr wrap="none" rtlCol="0">
+            <a:spAutoFit/>
+          </a:bodyPr>
+          <a:lstStyle/>
+          <a:p>
+            <a:pPr algn="ctr"/>
+            <a:r>
+              <a:rPr lang="de-DE" dirty="0"/>
+              <a:t>kooperiert</a:t>
+            </a:r>
+          </a:p>
+        </p:txBody>
+      </p:sp>
+      <p:cxnSp>
+        <p:nvCxnSpPr>
+          <p:cNvPr id="23" name="Gerade Verbindung mit Pfeil 22">
+            <a:extLst>
+              <a:ext uri="{FF2B5EF4-FFF2-40B4-BE49-F238E27FC236}">
+                <a16:creationId xmlns:a16="http://schemas.microsoft.com/office/drawing/2014/main" id="{98C140F2-2554-4E3E-A7B8-6B0C538188C9}"/>
+              </a:ext>
+            </a:extLst>
+          </p:cNvPr>
+          <p:cNvCxnSpPr>
+            <a:cxnSpLocks/>
+            <a:stCxn id="11" idx="1"/>
+            <a:endCxn id="12" idx="3"/>
+          </p:cNvCxnSpPr>
+          <p:nvPr/>
+        </p:nvCxnSpPr>
+        <p:spPr>
+          <a:xfrm flipH="1">
+            <a:off x="5400524" y="4064019"/>
+            <a:ext cx="785807" cy="529663"/>
+          </a:xfrm>
+          <a:prstGeom prst="straightConnector1">
+            <a:avLst/>
+          </a:prstGeom>
+          <a:ln w="19050">
+            <a:solidFill>
+              <a:srgbClr val="FF0000"/>
+            </a:solidFill>
+            <a:tailEnd type="triangle"/>
+          </a:ln>
+        </p:spPr>
+        <p:style>
+          <a:lnRef idx="1">
+            <a:schemeClr val="accent1"/>
+          </a:lnRef>
+          <a:fillRef idx="0">
+            <a:schemeClr val="accent1"/>
+          </a:fillRef>
+          <a:effectRef idx="0">
+            <a:schemeClr val="accent1"/>
+          </a:effectRef>
+          <a:fontRef idx="minor">
+            <a:schemeClr val="tx1"/>
+          </a:fontRef>
+        </p:style>
+      </p:cxnSp>
+      <p:cxnSp>
+        <p:nvCxnSpPr>
+          <p:cNvPr id="26" name="Gerade Verbindung mit Pfeil 25">
+            <a:extLst>
+              <a:ext uri="{FF2B5EF4-FFF2-40B4-BE49-F238E27FC236}">
+                <a16:creationId xmlns:a16="http://schemas.microsoft.com/office/drawing/2014/main" id="{F2C8B692-A256-4FFD-9DA9-867C0515614F}"/>
+              </a:ext>
+            </a:extLst>
+          </p:cNvPr>
+          <p:cNvCxnSpPr>
+            <a:cxnSpLocks/>
+            <a:stCxn id="11" idx="1"/>
+            <a:endCxn id="14" idx="3"/>
+          </p:cNvCxnSpPr>
+          <p:nvPr/>
+        </p:nvCxnSpPr>
+        <p:spPr>
+          <a:xfrm flipH="1">
+            <a:off x="5400526" y="4064019"/>
+            <a:ext cx="785805" cy="1059326"/>
+          </a:xfrm>
+          <a:prstGeom prst="straightConnector1">
+            <a:avLst/>
+          </a:prstGeom>
+          <a:ln w="19050">
+            <a:solidFill>
+              <a:srgbClr val="FF0000"/>
+            </a:solidFill>
+            <a:tailEnd type="triangle"/>
+          </a:ln>
+        </p:spPr>
+        <p:style>
+          <a:lnRef idx="1">
+            <a:schemeClr val="accent1"/>
+          </a:lnRef>
+          <a:fillRef idx="0">
+            <a:schemeClr val="accent1"/>
+          </a:fillRef>
+          <a:effectRef idx="0">
+            <a:schemeClr val="accent1"/>
+          </a:effectRef>
+          <a:fontRef idx="minor">
+            <a:schemeClr val="tx1"/>
+          </a:fontRef>
+        </p:style>
+      </p:cxnSp>
+      <p:cxnSp>
+        <p:nvCxnSpPr>
+          <p:cNvPr id="29" name="Gerade Verbindung mit Pfeil 28">
+            <a:extLst>
+              <a:ext uri="{FF2B5EF4-FFF2-40B4-BE49-F238E27FC236}">
+                <a16:creationId xmlns:a16="http://schemas.microsoft.com/office/drawing/2014/main" id="{56799CEA-EC85-4A10-B6CA-0A9BF0CF3937}"/>
+              </a:ext>
+            </a:extLst>
+          </p:cNvPr>
+          <p:cNvCxnSpPr>
+            <a:cxnSpLocks/>
+            <a:stCxn id="11" idx="1"/>
+            <a:endCxn id="16" idx="3"/>
+          </p:cNvCxnSpPr>
+          <p:nvPr/>
+        </p:nvCxnSpPr>
+        <p:spPr>
+          <a:xfrm flipH="1">
+            <a:off x="5400524" y="4064019"/>
+            <a:ext cx="785807" cy="1588989"/>
+          </a:xfrm>
+          <a:prstGeom prst="straightConnector1">
+            <a:avLst/>
+          </a:prstGeom>
+          <a:ln w="19050">
+            <a:solidFill>
+              <a:srgbClr val="FF0000"/>
+            </a:solidFill>
+            <a:tailEnd type="triangle"/>
+          </a:ln>
+        </p:spPr>
+        <p:style>
+          <a:lnRef idx="1">
+            <a:schemeClr val="accent1"/>
+          </a:lnRef>
+          <a:fillRef idx="0">
+            <a:schemeClr val="accent1"/>
+          </a:fillRef>
+          <a:effectRef idx="0">
+            <a:schemeClr val="accent1"/>
+          </a:effectRef>
+          <a:fontRef idx="minor">
+            <a:schemeClr val="tx1"/>
+          </a:fontRef>
+        </p:style>
+      </p:cxnSp>
+      <p:sp>
+        <p:nvSpPr>
+          <p:cNvPr id="32" name="Textfeld 31">
+            <a:extLst>
+              <a:ext uri="{FF2B5EF4-FFF2-40B4-BE49-F238E27FC236}">
+                <a16:creationId xmlns:a16="http://schemas.microsoft.com/office/drawing/2014/main" id="{635BCEF6-56F4-4D24-969D-BD3E0D71C2E3}"/>
+              </a:ext>
+            </a:extLst>
+          </p:cNvPr>
+          <p:cNvSpPr txBox="1"/>
+          <p:nvPr/>
+        </p:nvSpPr>
+        <p:spPr>
+          <a:xfrm>
+            <a:off x="2304999" y="3349690"/>
+            <a:ext cx="861133" cy="369332"/>
+          </a:xfrm>
+          <a:prstGeom prst="rect">
+            <a:avLst/>
+          </a:prstGeom>
+          <a:noFill/>
+        </p:spPr>
+        <p:txBody>
+          <a:bodyPr wrap="none" rtlCol="0">
+            <a:spAutoFit/>
+          </a:bodyPr>
+          <a:lstStyle/>
+          <a:p>
+            <a:pPr algn="ctr"/>
+            <a:r>
+              <a:rPr lang="de-DE" dirty="0"/>
+              <a:t>1. Spiel</a:t>
+            </a:r>
+          </a:p>
+        </p:txBody>
+      </p:sp>
+      <p:sp>
+        <p:nvSpPr>
+          <p:cNvPr id="33" name="Textfeld 32">
+            <a:extLst>
+              <a:ext uri="{FF2B5EF4-FFF2-40B4-BE49-F238E27FC236}">
+                <a16:creationId xmlns:a16="http://schemas.microsoft.com/office/drawing/2014/main" id="{3AFDB75B-8874-4FC1-94E0-6C5B45D3697E}"/>
+              </a:ext>
+            </a:extLst>
+          </p:cNvPr>
+          <p:cNvSpPr txBox="1"/>
+          <p:nvPr/>
+        </p:nvSpPr>
+        <p:spPr>
+          <a:xfrm>
+            <a:off x="2304999" y="3879353"/>
+            <a:ext cx="861133" cy="369332"/>
+          </a:xfrm>
+          <a:prstGeom prst="rect">
+            <a:avLst/>
+          </a:prstGeom>
+          <a:noFill/>
+        </p:spPr>
+        <p:txBody>
+          <a:bodyPr wrap="none" rtlCol="0">
+            <a:spAutoFit/>
+          </a:bodyPr>
+          <a:lstStyle/>
+          <a:p>
+            <a:pPr algn="ctr"/>
+            <a:r>
+              <a:rPr lang="de-DE" dirty="0"/>
+              <a:t>2. Spiel</a:t>
+            </a:r>
+          </a:p>
+        </p:txBody>
+      </p:sp>
+      <p:sp>
+        <p:nvSpPr>
+          <p:cNvPr id="34" name="Textfeld 33">
+            <a:extLst>
+              <a:ext uri="{FF2B5EF4-FFF2-40B4-BE49-F238E27FC236}">
+                <a16:creationId xmlns:a16="http://schemas.microsoft.com/office/drawing/2014/main" id="{FEEB33DE-E3D4-4164-8AF0-BF3A811CB437}"/>
+              </a:ext>
+            </a:extLst>
+          </p:cNvPr>
+          <p:cNvSpPr txBox="1"/>
+          <p:nvPr/>
+        </p:nvSpPr>
+        <p:spPr>
+          <a:xfrm>
+            <a:off x="2304999" y="4409016"/>
+            <a:ext cx="861133" cy="369332"/>
+          </a:xfrm>
+          <a:prstGeom prst="rect">
+            <a:avLst/>
+          </a:prstGeom>
+          <a:noFill/>
+        </p:spPr>
+        <p:txBody>
+          <a:bodyPr wrap="none" rtlCol="0">
+            <a:spAutoFit/>
+          </a:bodyPr>
+          <a:lstStyle/>
+          <a:p>
+            <a:pPr algn="ctr"/>
+            <a:r>
+              <a:rPr lang="de-DE" dirty="0"/>
+              <a:t>3. Spiel</a:t>
+            </a:r>
+          </a:p>
+        </p:txBody>
+      </p:sp>
+      <p:sp>
+        <p:nvSpPr>
+          <p:cNvPr id="35" name="Textfeld 34">
+            <a:extLst>
+              <a:ext uri="{FF2B5EF4-FFF2-40B4-BE49-F238E27FC236}">
+                <a16:creationId xmlns:a16="http://schemas.microsoft.com/office/drawing/2014/main" id="{DFE978C1-11AD-4EA7-8CF6-7D33DAE64E8F}"/>
+              </a:ext>
+            </a:extLst>
+          </p:cNvPr>
+          <p:cNvSpPr txBox="1"/>
+          <p:nvPr/>
+        </p:nvSpPr>
+        <p:spPr>
+          <a:xfrm>
+            <a:off x="2305000" y="4938679"/>
+            <a:ext cx="861133" cy="369332"/>
+          </a:xfrm>
+          <a:prstGeom prst="rect">
+            <a:avLst/>
+          </a:prstGeom>
+          <a:noFill/>
+        </p:spPr>
+        <p:txBody>
+          <a:bodyPr wrap="none" rtlCol="0">
+            <a:spAutoFit/>
+          </a:bodyPr>
+          <a:lstStyle/>
+          <a:p>
+            <a:pPr algn="ctr"/>
+            <a:r>
+              <a:rPr lang="de-DE" dirty="0"/>
+              <a:t>4. Spiel</a:t>
+            </a:r>
+          </a:p>
+        </p:txBody>
+      </p:sp>
+      <p:sp>
+        <p:nvSpPr>
+          <p:cNvPr id="36" name="Textfeld 35">
+            <a:extLst>
+              <a:ext uri="{FF2B5EF4-FFF2-40B4-BE49-F238E27FC236}">
+                <a16:creationId xmlns:a16="http://schemas.microsoft.com/office/drawing/2014/main" id="{42B9BC9A-C5C4-4C5E-B3AE-FDE3EA72D015}"/>
+              </a:ext>
+            </a:extLst>
+          </p:cNvPr>
+          <p:cNvSpPr txBox="1"/>
+          <p:nvPr/>
+        </p:nvSpPr>
+        <p:spPr>
+          <a:xfrm>
+            <a:off x="2304999" y="5468342"/>
+            <a:ext cx="861133" cy="369332"/>
+          </a:xfrm>
+          <a:prstGeom prst="rect">
+            <a:avLst/>
+          </a:prstGeom>
+          <a:noFill/>
+        </p:spPr>
+        <p:txBody>
+          <a:bodyPr wrap="none" rtlCol="0">
+            <a:spAutoFit/>
+          </a:bodyPr>
+          <a:lstStyle/>
+          <a:p>
+            <a:pPr algn="ctr"/>
+            <a:r>
+              <a:rPr lang="de-DE" dirty="0"/>
+              <a:t>5. Spiel</a:t>
+            </a:r>
+          </a:p>
+        </p:txBody>
+      </p:sp>
+      <p:sp>
+        <p:nvSpPr>
+          <p:cNvPr id="37" name="Textfeld 36">
+            <a:extLst>
+              <a:ext uri="{FF2B5EF4-FFF2-40B4-BE49-F238E27FC236}">
+                <a16:creationId xmlns:a16="http://schemas.microsoft.com/office/drawing/2014/main" id="{F73E264C-3D43-4C97-9045-F2C56A3FF2C5}"/>
+              </a:ext>
+            </a:extLst>
+          </p:cNvPr>
+          <p:cNvSpPr txBox="1"/>
+          <p:nvPr/>
+        </p:nvSpPr>
+        <p:spPr>
+          <a:xfrm>
+            <a:off x="4384028" y="5998005"/>
+            <a:ext cx="343363" cy="369332"/>
+          </a:xfrm>
+          <a:prstGeom prst="rect">
+            <a:avLst/>
+          </a:prstGeom>
+          <a:noFill/>
+        </p:spPr>
+        <p:txBody>
+          <a:bodyPr wrap="none" rtlCol="0">
+            <a:spAutoFit/>
+          </a:bodyPr>
+          <a:lstStyle/>
+          <a:p>
+            <a:pPr algn="ctr"/>
+            <a:r>
+              <a:rPr lang="de-DE" dirty="0"/>
+              <a:t>…</a:t>
+            </a:r>
+          </a:p>
+        </p:txBody>
+      </p:sp>
+      <p:sp>
+        <p:nvSpPr>
+          <p:cNvPr id="38" name="Textfeld 37">
+            <a:extLst>
+              <a:ext uri="{FF2B5EF4-FFF2-40B4-BE49-F238E27FC236}">
+                <a16:creationId xmlns:a16="http://schemas.microsoft.com/office/drawing/2014/main" id="{552B4944-F68A-429D-AC1A-473424820385}"/>
+              </a:ext>
+            </a:extLst>
+          </p:cNvPr>
+          <p:cNvSpPr txBox="1"/>
+          <p:nvPr/>
+        </p:nvSpPr>
+        <p:spPr>
+          <a:xfrm>
+            <a:off x="6859463" y="5998005"/>
+            <a:ext cx="343363" cy="369332"/>
+          </a:xfrm>
+          <a:prstGeom prst="rect">
+            <a:avLst/>
+          </a:prstGeom>
+          <a:noFill/>
+        </p:spPr>
+        <p:txBody>
+          <a:bodyPr wrap="none" rtlCol="0">
+            <a:spAutoFit/>
+          </a:bodyPr>
+          <a:lstStyle/>
+          <a:p>
+            <a:pPr algn="ctr"/>
+            <a:r>
+              <a:rPr lang="de-DE" dirty="0"/>
+              <a:t>…</a:t>
+            </a:r>
+          </a:p>
+        </p:txBody>
+      </p:sp>
+      <p:sp>
+        <p:nvSpPr>
+          <p:cNvPr id="39" name="Textfeld 38">
+            <a:extLst>
+              <a:ext uri="{FF2B5EF4-FFF2-40B4-BE49-F238E27FC236}">
+                <a16:creationId xmlns:a16="http://schemas.microsoft.com/office/drawing/2014/main" id="{71A78447-92E2-4363-82AB-AB590426F43A}"/>
+              </a:ext>
+            </a:extLst>
+          </p:cNvPr>
+          <p:cNvSpPr txBox="1"/>
+          <p:nvPr/>
+        </p:nvSpPr>
+        <p:spPr>
+          <a:xfrm>
+            <a:off x="2563884" y="5998005"/>
+            <a:ext cx="343363" cy="369332"/>
+          </a:xfrm>
+          <a:prstGeom prst="rect">
+            <a:avLst/>
+          </a:prstGeom>
+          <a:noFill/>
+        </p:spPr>
+        <p:txBody>
+          <a:bodyPr wrap="none" rtlCol="0">
+            <a:spAutoFit/>
+          </a:bodyPr>
+          <a:lstStyle/>
+          <a:p>
+            <a:pPr algn="ctr"/>
+            <a:r>
+              <a:rPr lang="de-DE" dirty="0"/>
+              <a:t>…</a:t>
+            </a:r>
+          </a:p>
+        </p:txBody>
+      </p:sp>
+      <p:cxnSp>
+        <p:nvCxnSpPr>
+          <p:cNvPr id="40" name="Gerade Verbindung mit Pfeil 39">
+            <a:extLst>
+              <a:ext uri="{FF2B5EF4-FFF2-40B4-BE49-F238E27FC236}">
+                <a16:creationId xmlns:a16="http://schemas.microsoft.com/office/drawing/2014/main" id="{67C21CC4-2D50-4299-946D-FCBE9193DA90}"/>
+              </a:ext>
+            </a:extLst>
+          </p:cNvPr>
+          <p:cNvCxnSpPr>
+            <a:cxnSpLocks/>
+          </p:cNvCxnSpPr>
+          <p:nvPr/>
+        </p:nvCxnSpPr>
+        <p:spPr>
+          <a:xfrm flipH="1">
+            <a:off x="5139489" y="3534356"/>
+            <a:ext cx="1307873" cy="529663"/>
+          </a:xfrm>
+          <a:prstGeom prst="straightConnector1">
+            <a:avLst/>
+          </a:prstGeom>
+          <a:ln w="19050">
+            <a:solidFill>
+              <a:srgbClr val="FF0000"/>
+            </a:solidFill>
+            <a:tailEnd type="triangle"/>
+          </a:ln>
+        </p:spPr>
+        <p:style>
+          <a:lnRef idx="1">
+            <a:schemeClr val="accent1"/>
+          </a:lnRef>
+          <a:fillRef idx="0">
+            <a:schemeClr val="accent1"/>
+          </a:fillRef>
+          <a:effectRef idx="0">
+            <a:schemeClr val="accent1"/>
+          </a:effectRef>
+          <a:fontRef idx="minor">
+            <a:schemeClr val="tx1"/>
+          </a:fontRef>
+        </p:style>
+      </p:cxnSp>
+    </p:spTree>
+    <p:extLst>
+      <p:ext uri="{BB962C8B-B14F-4D97-AF65-F5344CB8AC3E}">
+        <p14:creationId xmlns:p14="http://schemas.microsoft.com/office/powerpoint/2010/main" val="2678257832"/>
+      </p:ext>
+    </p:extLst>
+  </p:cSld>
+  <p:clrMapOvr>
+    <a:masterClrMapping/>
+  </p:clrMapOvr>
+  <p:timing>
+    <p:tnLst>
+      <p:par>
+        <p:cTn id="1" dur="indefinite" restart="never" nodeType="tmRoot">
+          <p:childTnLst>
+            <p:seq concurrent="1" nextAc="seek">
+              <p:cTn id="2" dur="indefinite" nodeType="mainSeq">
+                <p:childTnLst>
+                  <p:par>
+                    <p:cTn id="3" fill="hold">
+                      <p:stCondLst>
+                        <p:cond delay="indefinite"/>
+                      </p:stCondLst>
+                      <p:childTnLst>
+                        <p:par>
+                          <p:cTn id="4" fill="hold">
+                            <p:stCondLst>
+                              <p:cond delay="0"/>
+                            </p:stCondLst>
+                            <p:childTnLst>
+                              <p:par>
+                                <p:cTn id="5" presetID="10" presetClass="entr" presetSubtype="0" fill="hold" grpId="0" nodeType="clickEffect">
+                                  <p:stCondLst>
+                                    <p:cond delay="0"/>
+                                  </p:stCondLst>
+                                  <p:childTnLst>
+                                    <p:set>
+                                      <p:cBhvr>
+                                        <p:cTn id="6" dur="1" fill="hold">
+                                          <p:stCondLst>
+                                            <p:cond delay="0"/>
+                                          </p:stCondLst>
+                                        </p:cTn>
+                                        <p:tgtEl>
+                                          <p:spTgt spid="8"/>
+                                        </p:tgtEl>
+                                        <p:attrNameLst>
+                                          <p:attrName>style.visibility</p:attrName>
+                                        </p:attrNameLst>
+                                      </p:cBhvr>
+                                      <p:to>
+                                        <p:strVal val="visible"/>
+                                      </p:to>
+                                    </p:set>
+                                    <p:animEffect transition="in" filter="fade">
+                                      <p:cBhvr>
+                                        <p:cTn id="7" dur="500"/>
+                                        <p:tgtEl>
+                                          <p:spTgt spid="8"/>
+                                        </p:tgtEl>
+                                      </p:cBhvr>
+                                    </p:animEffect>
+                                  </p:childTnLst>
+                                </p:cTn>
+                              </p:par>
+                              <p:par>
+                                <p:cTn id="8" presetID="10" presetClass="entr" presetSubtype="0" fill="hold" grpId="0" nodeType="withEffect">
+                                  <p:stCondLst>
+                                    <p:cond delay="0"/>
+                                  </p:stCondLst>
+                                  <p:childTnLst>
+                                    <p:set>
+                                      <p:cBhvr>
+                                        <p:cTn id="9" dur="1" fill="hold">
+                                          <p:stCondLst>
+                                            <p:cond delay="0"/>
+                                          </p:stCondLst>
+                                        </p:cTn>
+                                        <p:tgtEl>
+                                          <p:spTgt spid="9"/>
+                                        </p:tgtEl>
+                                        <p:attrNameLst>
+                                          <p:attrName>style.visibility</p:attrName>
+                                        </p:attrNameLst>
+                                      </p:cBhvr>
+                                      <p:to>
+                                        <p:strVal val="visible"/>
+                                      </p:to>
+                                    </p:set>
+                                    <p:animEffect transition="in" filter="fade">
+                                      <p:cBhvr>
+                                        <p:cTn id="10" dur="500"/>
+                                        <p:tgtEl>
+                                          <p:spTgt spid="9"/>
+                                        </p:tgtEl>
+                                      </p:cBhvr>
+                                    </p:animEffect>
+                                  </p:childTnLst>
+                                </p:cTn>
+                              </p:par>
+                            </p:childTnLst>
+                          </p:cTn>
+                        </p:par>
+                      </p:childTnLst>
+                    </p:cTn>
+                  </p:par>
+                  <p:par>
+                    <p:cTn id="11" fill="hold">
+                      <p:stCondLst>
+                        <p:cond delay="indefinite"/>
+                      </p:stCondLst>
+                      <p:childTnLst>
+                        <p:par>
+                          <p:cTn id="12" fill="hold">
+                            <p:stCondLst>
+                              <p:cond delay="0"/>
+                            </p:stCondLst>
+                            <p:childTnLst>
+                              <p:par>
+                                <p:cTn id="13" presetID="10" presetClass="entr" presetSubtype="0" fill="hold" grpId="0" nodeType="clickEffect">
+                                  <p:stCondLst>
+                                    <p:cond delay="0"/>
+                                  </p:stCondLst>
+                                  <p:childTnLst>
+                                    <p:set>
+                                      <p:cBhvr>
+                                        <p:cTn id="14" dur="1" fill="hold">
+                                          <p:stCondLst>
+                                            <p:cond delay="0"/>
+                                          </p:stCondLst>
+                                        </p:cTn>
+                                        <p:tgtEl>
+                                          <p:spTgt spid="33"/>
+                                        </p:tgtEl>
+                                        <p:attrNameLst>
+                                          <p:attrName>style.visibility</p:attrName>
+                                        </p:attrNameLst>
+                                      </p:cBhvr>
+                                      <p:to>
+                                        <p:strVal val="visible"/>
+                                      </p:to>
+                                    </p:set>
+                                    <p:animEffect transition="in" filter="fade">
+                                      <p:cBhvr>
+                                        <p:cTn id="15" dur="500"/>
+                                        <p:tgtEl>
+                                          <p:spTgt spid="33"/>
+                                        </p:tgtEl>
+                                      </p:cBhvr>
+                                    </p:animEffect>
+                                  </p:childTnLst>
+                                </p:cTn>
+                              </p:par>
+                              <p:par>
+                                <p:cTn id="16" presetID="10" presetClass="entr" presetSubtype="0" fill="hold" grpId="0" nodeType="withEffect">
+                                  <p:stCondLst>
+                                    <p:cond delay="0"/>
+                                  </p:stCondLst>
+                                  <p:childTnLst>
+                                    <p:set>
+                                      <p:cBhvr>
+                                        <p:cTn id="17" dur="1" fill="hold">
+                                          <p:stCondLst>
+                                            <p:cond delay="0"/>
+                                          </p:stCondLst>
+                                        </p:cTn>
+                                        <p:tgtEl>
+                                          <p:spTgt spid="10"/>
+                                        </p:tgtEl>
+                                        <p:attrNameLst>
+                                          <p:attrName>style.visibility</p:attrName>
+                                        </p:attrNameLst>
+                                      </p:cBhvr>
+                                      <p:to>
+                                        <p:strVal val="visible"/>
+                                      </p:to>
+                                    </p:set>
+                                    <p:animEffect transition="in" filter="fade">
+                                      <p:cBhvr>
+                                        <p:cTn id="18" dur="500"/>
+                                        <p:tgtEl>
+                                          <p:spTgt spid="10"/>
+                                        </p:tgtEl>
+                                      </p:cBhvr>
+                                    </p:animEffect>
+                                  </p:childTnLst>
+                                </p:cTn>
+                              </p:par>
+                              <p:par>
+                                <p:cTn id="19" presetID="10" presetClass="entr" presetSubtype="0" fill="hold" grpId="0" nodeType="withEffect">
+                                  <p:stCondLst>
+                                    <p:cond delay="0"/>
+                                  </p:stCondLst>
+                                  <p:childTnLst>
+                                    <p:set>
+                                      <p:cBhvr>
+                                        <p:cTn id="20" dur="1" fill="hold">
+                                          <p:stCondLst>
+                                            <p:cond delay="0"/>
+                                          </p:stCondLst>
+                                        </p:cTn>
+                                        <p:tgtEl>
+                                          <p:spTgt spid="11"/>
+                                        </p:tgtEl>
+                                        <p:attrNameLst>
+                                          <p:attrName>style.visibility</p:attrName>
+                                        </p:attrNameLst>
+                                      </p:cBhvr>
+                                      <p:to>
+                                        <p:strVal val="visible"/>
+                                      </p:to>
+                                    </p:set>
+                                    <p:animEffect transition="in" filter="fade">
+                                      <p:cBhvr>
+                                        <p:cTn id="21" dur="500"/>
+                                        <p:tgtEl>
+                                          <p:spTgt spid="11"/>
+                                        </p:tgtEl>
+                                      </p:cBhvr>
+                                    </p:animEffect>
+                                  </p:childTnLst>
+                                </p:cTn>
+                              </p:par>
+                              <p:par>
+                                <p:cTn id="22" presetID="10" presetClass="entr" presetSubtype="0" fill="hold" nodeType="withEffect">
+                                  <p:stCondLst>
+                                    <p:cond delay="0"/>
+                                  </p:stCondLst>
+                                  <p:childTnLst>
+                                    <p:set>
+                                      <p:cBhvr>
+                                        <p:cTn id="23" dur="1" fill="hold">
+                                          <p:stCondLst>
+                                            <p:cond delay="0"/>
+                                          </p:stCondLst>
+                                        </p:cTn>
+                                        <p:tgtEl>
+                                          <p:spTgt spid="40"/>
+                                        </p:tgtEl>
+                                        <p:attrNameLst>
+                                          <p:attrName>style.visibility</p:attrName>
+                                        </p:attrNameLst>
+                                      </p:cBhvr>
+                                      <p:to>
+                                        <p:strVal val="visible"/>
+                                      </p:to>
+                                    </p:set>
+                                    <p:animEffect transition="in" filter="fade">
+                                      <p:cBhvr>
+                                        <p:cTn id="24" dur="500"/>
+                                        <p:tgtEl>
+                                          <p:spTgt spid="40"/>
+                                        </p:tgtEl>
+                                      </p:cBhvr>
+                                    </p:animEffect>
+                                  </p:childTnLst>
+                                </p:cTn>
+                              </p:par>
+                            </p:childTnLst>
+                          </p:cTn>
+                        </p:par>
+                      </p:childTnLst>
+                    </p:cTn>
+                  </p:par>
+                  <p:par>
+                    <p:cTn id="25" fill="hold">
+                      <p:stCondLst>
+                        <p:cond delay="indefinite"/>
+                      </p:stCondLst>
+                      <p:childTnLst>
+                        <p:par>
+                          <p:cTn id="26" fill="hold">
+                            <p:stCondLst>
+                              <p:cond delay="0"/>
+                            </p:stCondLst>
+                            <p:childTnLst>
+                              <p:par>
+                                <p:cTn id="27" presetID="10" presetClass="entr" presetSubtype="0" fill="hold" grpId="0" nodeType="clickEffect">
+                                  <p:stCondLst>
+                                    <p:cond delay="0"/>
+                                  </p:stCondLst>
+                                  <p:childTnLst>
+                                    <p:set>
+                                      <p:cBhvr>
+                                        <p:cTn id="28" dur="1" fill="hold">
+                                          <p:stCondLst>
+                                            <p:cond delay="0"/>
+                                          </p:stCondLst>
+                                        </p:cTn>
+                                        <p:tgtEl>
+                                          <p:spTgt spid="34"/>
+                                        </p:tgtEl>
+                                        <p:attrNameLst>
+                                          <p:attrName>style.visibility</p:attrName>
+                                        </p:attrNameLst>
+                                      </p:cBhvr>
+                                      <p:to>
+                                        <p:strVal val="visible"/>
+                                      </p:to>
+                                    </p:set>
+                                    <p:animEffect transition="in" filter="fade">
+                                      <p:cBhvr>
+                                        <p:cTn id="29" dur="500"/>
+                                        <p:tgtEl>
+                                          <p:spTgt spid="34"/>
+                                        </p:tgtEl>
+                                      </p:cBhvr>
+                                    </p:animEffect>
+                                  </p:childTnLst>
+                                </p:cTn>
+                              </p:par>
+                              <p:par>
+                                <p:cTn id="30" presetID="10" presetClass="entr" presetSubtype="0" fill="hold" grpId="0" nodeType="withEffect">
+                                  <p:stCondLst>
+                                    <p:cond delay="0"/>
+                                  </p:stCondLst>
+                                  <p:childTnLst>
+                                    <p:set>
+                                      <p:cBhvr>
+                                        <p:cTn id="31" dur="1" fill="hold">
+                                          <p:stCondLst>
+                                            <p:cond delay="0"/>
+                                          </p:stCondLst>
+                                        </p:cTn>
+                                        <p:tgtEl>
+                                          <p:spTgt spid="12"/>
+                                        </p:tgtEl>
+                                        <p:attrNameLst>
+                                          <p:attrName>style.visibility</p:attrName>
+                                        </p:attrNameLst>
+                                      </p:cBhvr>
+                                      <p:to>
+                                        <p:strVal val="visible"/>
+                                      </p:to>
+                                    </p:set>
+                                    <p:animEffect transition="in" filter="fade">
+                                      <p:cBhvr>
+                                        <p:cTn id="32" dur="500"/>
+                                        <p:tgtEl>
+                                          <p:spTgt spid="12"/>
+                                        </p:tgtEl>
+                                      </p:cBhvr>
+                                    </p:animEffect>
+                                  </p:childTnLst>
+                                </p:cTn>
+                              </p:par>
+                              <p:par>
+                                <p:cTn id="33" presetID="10" presetClass="entr" presetSubtype="0" fill="hold" nodeType="withEffect">
+                                  <p:stCondLst>
+                                    <p:cond delay="0"/>
+                                  </p:stCondLst>
+                                  <p:childTnLst>
+                                    <p:set>
+                                      <p:cBhvr>
+                                        <p:cTn id="34" dur="1" fill="hold">
+                                          <p:stCondLst>
+                                            <p:cond delay="0"/>
+                                          </p:stCondLst>
+                                        </p:cTn>
+                                        <p:tgtEl>
+                                          <p:spTgt spid="23"/>
+                                        </p:tgtEl>
+                                        <p:attrNameLst>
+                                          <p:attrName>style.visibility</p:attrName>
+                                        </p:attrNameLst>
+                                      </p:cBhvr>
+                                      <p:to>
+                                        <p:strVal val="visible"/>
+                                      </p:to>
+                                    </p:set>
+                                    <p:animEffect transition="in" filter="fade">
+                                      <p:cBhvr>
+                                        <p:cTn id="35" dur="500"/>
+                                        <p:tgtEl>
+                                          <p:spTgt spid="23"/>
+                                        </p:tgtEl>
+                                      </p:cBhvr>
+                                    </p:animEffect>
+                                  </p:childTnLst>
+                                </p:cTn>
+                              </p:par>
+                              <p:par>
+                                <p:cTn id="36" presetID="10" presetClass="entr" presetSubtype="0" fill="hold" grpId="0" nodeType="withEffect">
+                                  <p:stCondLst>
+                                    <p:cond delay="0"/>
+                                  </p:stCondLst>
+                                  <p:childTnLst>
+                                    <p:set>
+                                      <p:cBhvr>
+                                        <p:cTn id="37" dur="1" fill="hold">
+                                          <p:stCondLst>
+                                            <p:cond delay="0"/>
+                                          </p:stCondLst>
+                                        </p:cTn>
+                                        <p:tgtEl>
+                                          <p:spTgt spid="13"/>
+                                        </p:tgtEl>
+                                        <p:attrNameLst>
+                                          <p:attrName>style.visibility</p:attrName>
+                                        </p:attrNameLst>
+                                      </p:cBhvr>
+                                      <p:to>
+                                        <p:strVal val="visible"/>
+                                      </p:to>
+                                    </p:set>
+                                    <p:animEffect transition="in" filter="fade">
+                                      <p:cBhvr>
+                                        <p:cTn id="38" dur="500"/>
+                                        <p:tgtEl>
+                                          <p:spTgt spid="13"/>
+                                        </p:tgtEl>
+                                      </p:cBhvr>
+                                    </p:animEffect>
+                                  </p:childTnLst>
+                                </p:cTn>
+                              </p:par>
+                            </p:childTnLst>
+                          </p:cTn>
+                        </p:par>
+                      </p:childTnLst>
+                    </p:cTn>
+                  </p:par>
+                  <p:par>
+                    <p:cTn id="39" fill="hold">
+                      <p:stCondLst>
+                        <p:cond delay="indefinite"/>
+                      </p:stCondLst>
+                      <p:childTnLst>
+                        <p:par>
+                          <p:cTn id="40" fill="hold">
+                            <p:stCondLst>
+                              <p:cond delay="0"/>
+                            </p:stCondLst>
+                            <p:childTnLst>
+                              <p:par>
+                                <p:cTn id="41" presetID="10" presetClass="entr" presetSubtype="0" fill="hold" grpId="0" nodeType="clickEffect">
+                                  <p:stCondLst>
+                                    <p:cond delay="0"/>
+                                  </p:stCondLst>
+                                  <p:childTnLst>
+                                    <p:set>
+                                      <p:cBhvr>
+                                        <p:cTn id="42" dur="1" fill="hold">
+                                          <p:stCondLst>
+                                            <p:cond delay="0"/>
+                                          </p:stCondLst>
+                                        </p:cTn>
+                                        <p:tgtEl>
+                                          <p:spTgt spid="14"/>
+                                        </p:tgtEl>
+                                        <p:attrNameLst>
+                                          <p:attrName>style.visibility</p:attrName>
+                                        </p:attrNameLst>
+                                      </p:cBhvr>
+                                      <p:to>
+                                        <p:strVal val="visible"/>
+                                      </p:to>
+                                    </p:set>
+                                    <p:animEffect transition="in" filter="fade">
+                                      <p:cBhvr>
+                                        <p:cTn id="43" dur="500"/>
+                                        <p:tgtEl>
+                                          <p:spTgt spid="14"/>
+                                        </p:tgtEl>
+                                      </p:cBhvr>
+                                    </p:animEffect>
+                                  </p:childTnLst>
+                                </p:cTn>
+                              </p:par>
+                              <p:par>
+                                <p:cTn id="44" presetID="10" presetClass="entr" presetSubtype="0" fill="hold" nodeType="withEffect">
+                                  <p:stCondLst>
+                                    <p:cond delay="0"/>
+                                  </p:stCondLst>
+                                  <p:childTnLst>
+                                    <p:set>
+                                      <p:cBhvr>
+                                        <p:cTn id="45" dur="1" fill="hold">
+                                          <p:stCondLst>
+                                            <p:cond delay="0"/>
+                                          </p:stCondLst>
+                                        </p:cTn>
+                                        <p:tgtEl>
+                                          <p:spTgt spid="26"/>
+                                        </p:tgtEl>
+                                        <p:attrNameLst>
+                                          <p:attrName>style.visibility</p:attrName>
+                                        </p:attrNameLst>
+                                      </p:cBhvr>
+                                      <p:to>
+                                        <p:strVal val="visible"/>
+                                      </p:to>
+                                    </p:set>
+                                    <p:animEffect transition="in" filter="fade">
+                                      <p:cBhvr>
+                                        <p:cTn id="46" dur="500"/>
+                                        <p:tgtEl>
+                                          <p:spTgt spid="26"/>
+                                        </p:tgtEl>
+                                      </p:cBhvr>
+                                    </p:animEffect>
+                                  </p:childTnLst>
+                                </p:cTn>
+                              </p:par>
+                              <p:par>
+                                <p:cTn id="47" presetID="10" presetClass="entr" presetSubtype="0" fill="hold" grpId="0" nodeType="withEffect">
+                                  <p:stCondLst>
+                                    <p:cond delay="0"/>
+                                  </p:stCondLst>
+                                  <p:childTnLst>
+                                    <p:set>
+                                      <p:cBhvr>
+                                        <p:cTn id="48" dur="1" fill="hold">
+                                          <p:stCondLst>
+                                            <p:cond delay="0"/>
+                                          </p:stCondLst>
+                                        </p:cTn>
+                                        <p:tgtEl>
+                                          <p:spTgt spid="35"/>
+                                        </p:tgtEl>
+                                        <p:attrNameLst>
+                                          <p:attrName>style.visibility</p:attrName>
+                                        </p:attrNameLst>
+                                      </p:cBhvr>
+                                      <p:to>
+                                        <p:strVal val="visible"/>
+                                      </p:to>
+                                    </p:set>
+                                    <p:animEffect transition="in" filter="fade">
+                                      <p:cBhvr>
+                                        <p:cTn id="49" dur="500"/>
+                                        <p:tgtEl>
+                                          <p:spTgt spid="35"/>
+                                        </p:tgtEl>
+                                      </p:cBhvr>
+                                    </p:animEffect>
+                                  </p:childTnLst>
+                                </p:cTn>
+                              </p:par>
+                              <p:par>
+                                <p:cTn id="50" presetID="10" presetClass="entr" presetSubtype="0" fill="hold" grpId="0" nodeType="withEffect">
+                                  <p:stCondLst>
+                                    <p:cond delay="0"/>
+                                  </p:stCondLst>
+                                  <p:childTnLst>
+                                    <p:set>
+                                      <p:cBhvr>
+                                        <p:cTn id="51" dur="1" fill="hold">
+                                          <p:stCondLst>
+                                            <p:cond delay="0"/>
+                                          </p:stCondLst>
+                                        </p:cTn>
+                                        <p:tgtEl>
+                                          <p:spTgt spid="15"/>
+                                        </p:tgtEl>
+                                        <p:attrNameLst>
+                                          <p:attrName>style.visibility</p:attrName>
+                                        </p:attrNameLst>
+                                      </p:cBhvr>
+                                      <p:to>
+                                        <p:strVal val="visible"/>
+                                      </p:to>
+                                    </p:set>
+                                    <p:animEffect transition="in" filter="fade">
+                                      <p:cBhvr>
+                                        <p:cTn id="52" dur="500"/>
+                                        <p:tgtEl>
+                                          <p:spTgt spid="15"/>
+                                        </p:tgtEl>
+                                      </p:cBhvr>
+                                    </p:animEffect>
+                                  </p:childTnLst>
+                                </p:cTn>
+                              </p:par>
+                            </p:childTnLst>
+                          </p:cTn>
+                        </p:par>
+                      </p:childTnLst>
+                    </p:cTn>
+                  </p:par>
+                  <p:par>
+                    <p:cTn id="53" fill="hold">
+                      <p:stCondLst>
+                        <p:cond delay="indefinite"/>
+                      </p:stCondLst>
+                      <p:childTnLst>
+                        <p:par>
+                          <p:cTn id="54" fill="hold">
+                            <p:stCondLst>
+                              <p:cond delay="0"/>
+                            </p:stCondLst>
+                            <p:childTnLst>
+                              <p:par>
+                                <p:cTn id="55" presetID="10" presetClass="entr" presetSubtype="0" fill="hold" grpId="0" nodeType="clickEffect">
+                                  <p:stCondLst>
+                                    <p:cond delay="0"/>
+                                  </p:stCondLst>
+                                  <p:childTnLst>
+                                    <p:set>
+                                      <p:cBhvr>
+                                        <p:cTn id="56" dur="1" fill="hold">
+                                          <p:stCondLst>
+                                            <p:cond delay="0"/>
+                                          </p:stCondLst>
+                                        </p:cTn>
+                                        <p:tgtEl>
+                                          <p:spTgt spid="16"/>
+                                        </p:tgtEl>
+                                        <p:attrNameLst>
+                                          <p:attrName>style.visibility</p:attrName>
+                                        </p:attrNameLst>
+                                      </p:cBhvr>
+                                      <p:to>
+                                        <p:strVal val="visible"/>
+                                      </p:to>
+                                    </p:set>
+                                    <p:animEffect transition="in" filter="fade">
+                                      <p:cBhvr>
+                                        <p:cTn id="57" dur="500"/>
+                                        <p:tgtEl>
+                                          <p:spTgt spid="16"/>
+                                        </p:tgtEl>
+                                      </p:cBhvr>
+                                    </p:animEffect>
+                                  </p:childTnLst>
+                                </p:cTn>
+                              </p:par>
+                              <p:par>
+                                <p:cTn id="58" presetID="10" presetClass="entr" presetSubtype="0" fill="hold" nodeType="withEffect">
+                                  <p:stCondLst>
+                                    <p:cond delay="0"/>
+                                  </p:stCondLst>
+                                  <p:childTnLst>
+                                    <p:set>
+                                      <p:cBhvr>
+                                        <p:cTn id="59" dur="1" fill="hold">
+                                          <p:stCondLst>
+                                            <p:cond delay="0"/>
+                                          </p:stCondLst>
+                                        </p:cTn>
+                                        <p:tgtEl>
+                                          <p:spTgt spid="29"/>
+                                        </p:tgtEl>
+                                        <p:attrNameLst>
+                                          <p:attrName>style.visibility</p:attrName>
+                                        </p:attrNameLst>
+                                      </p:cBhvr>
+                                      <p:to>
+                                        <p:strVal val="visible"/>
+                                      </p:to>
+                                    </p:set>
+                                    <p:animEffect transition="in" filter="fade">
+                                      <p:cBhvr>
+                                        <p:cTn id="60" dur="500"/>
+                                        <p:tgtEl>
+                                          <p:spTgt spid="29"/>
+                                        </p:tgtEl>
+                                      </p:cBhvr>
+                                    </p:animEffect>
+                                  </p:childTnLst>
+                                </p:cTn>
+                              </p:par>
+                              <p:par>
+                                <p:cTn id="61" presetID="10" presetClass="entr" presetSubtype="0" fill="hold" grpId="0" nodeType="withEffect">
+                                  <p:stCondLst>
+                                    <p:cond delay="0"/>
+                                  </p:stCondLst>
+                                  <p:childTnLst>
+                                    <p:set>
+                                      <p:cBhvr>
+                                        <p:cTn id="62" dur="1" fill="hold">
+                                          <p:stCondLst>
+                                            <p:cond delay="0"/>
+                                          </p:stCondLst>
+                                        </p:cTn>
+                                        <p:tgtEl>
+                                          <p:spTgt spid="17"/>
+                                        </p:tgtEl>
+                                        <p:attrNameLst>
+                                          <p:attrName>style.visibility</p:attrName>
+                                        </p:attrNameLst>
+                                      </p:cBhvr>
+                                      <p:to>
+                                        <p:strVal val="visible"/>
+                                      </p:to>
+                                    </p:set>
+                                    <p:animEffect transition="in" filter="fade">
+                                      <p:cBhvr>
+                                        <p:cTn id="63" dur="500"/>
+                                        <p:tgtEl>
+                                          <p:spTgt spid="17"/>
+                                        </p:tgtEl>
+                                      </p:cBhvr>
+                                    </p:animEffect>
+                                  </p:childTnLst>
+                                </p:cTn>
+                              </p:par>
+                              <p:par>
+                                <p:cTn id="64" presetID="10" presetClass="entr" presetSubtype="0" fill="hold" grpId="0" nodeType="withEffect">
+                                  <p:stCondLst>
+                                    <p:cond delay="0"/>
+                                  </p:stCondLst>
+                                  <p:childTnLst>
+                                    <p:set>
+                                      <p:cBhvr>
+                                        <p:cTn id="65" dur="1" fill="hold">
+                                          <p:stCondLst>
+                                            <p:cond delay="0"/>
+                                          </p:stCondLst>
+                                        </p:cTn>
+                                        <p:tgtEl>
+                                          <p:spTgt spid="36"/>
+                                        </p:tgtEl>
+                                        <p:attrNameLst>
+                                          <p:attrName>style.visibility</p:attrName>
+                                        </p:attrNameLst>
+                                      </p:cBhvr>
+                                      <p:to>
+                                        <p:strVal val="visible"/>
+                                      </p:to>
+                                    </p:set>
+                                    <p:animEffect transition="in" filter="fade">
+                                      <p:cBhvr>
+                                        <p:cTn id="66" dur="500"/>
+                                        <p:tgtEl>
+                                          <p:spTgt spid="36"/>
+                                        </p:tgtEl>
+                                      </p:cBhvr>
+                                    </p:animEffect>
+                                  </p:childTnLst>
+                                </p:cTn>
+                              </p:par>
+                            </p:childTnLst>
+                          </p:cTn>
+                        </p:par>
+                      </p:childTnLst>
+                    </p:cTn>
+                  </p:par>
+                  <p:par>
+                    <p:cTn id="67" fill="hold">
+                      <p:stCondLst>
+                        <p:cond delay="indefinite"/>
+                      </p:stCondLst>
+                      <p:childTnLst>
+                        <p:par>
+                          <p:cTn id="68" fill="hold">
+                            <p:stCondLst>
+                              <p:cond delay="0"/>
+                            </p:stCondLst>
+                            <p:childTnLst>
+                              <p:par>
+                                <p:cTn id="69" presetID="10" presetClass="entr" presetSubtype="0" fill="hold" grpId="0" nodeType="clickEffect">
+                                  <p:stCondLst>
+                                    <p:cond delay="0"/>
+                                  </p:stCondLst>
+                                  <p:childTnLst>
+                                    <p:set>
+                                      <p:cBhvr>
+                                        <p:cTn id="70" dur="1" fill="hold">
+                                          <p:stCondLst>
+                                            <p:cond delay="0"/>
+                                          </p:stCondLst>
+                                        </p:cTn>
+                                        <p:tgtEl>
+                                          <p:spTgt spid="37"/>
+                                        </p:tgtEl>
+                                        <p:attrNameLst>
+                                          <p:attrName>style.visibility</p:attrName>
+                                        </p:attrNameLst>
+                                      </p:cBhvr>
+                                      <p:to>
+                                        <p:strVal val="visible"/>
+                                      </p:to>
+                                    </p:set>
+                                    <p:animEffect transition="in" filter="fade">
+                                      <p:cBhvr>
+                                        <p:cTn id="71" dur="500"/>
+                                        <p:tgtEl>
+                                          <p:spTgt spid="37"/>
+                                        </p:tgtEl>
+                                      </p:cBhvr>
+                                    </p:animEffect>
+                                  </p:childTnLst>
+                                </p:cTn>
+                              </p:par>
+                              <p:par>
+                                <p:cTn id="72" presetID="10" presetClass="entr" presetSubtype="0" fill="hold" grpId="0" nodeType="withEffect">
+                                  <p:stCondLst>
+                                    <p:cond delay="0"/>
+                                  </p:stCondLst>
+                                  <p:childTnLst>
+                                    <p:set>
+                                      <p:cBhvr>
+                                        <p:cTn id="73" dur="1" fill="hold">
+                                          <p:stCondLst>
+                                            <p:cond delay="0"/>
+                                          </p:stCondLst>
+                                        </p:cTn>
+                                        <p:tgtEl>
+                                          <p:spTgt spid="38"/>
+                                        </p:tgtEl>
+                                        <p:attrNameLst>
+                                          <p:attrName>style.visibility</p:attrName>
+                                        </p:attrNameLst>
+                                      </p:cBhvr>
+                                      <p:to>
+                                        <p:strVal val="visible"/>
+                                      </p:to>
+                                    </p:set>
+                                    <p:animEffect transition="in" filter="fade">
+                                      <p:cBhvr>
+                                        <p:cTn id="74" dur="500"/>
+                                        <p:tgtEl>
+                                          <p:spTgt spid="38"/>
+                                        </p:tgtEl>
+                                      </p:cBhvr>
+                                    </p:animEffect>
+                                  </p:childTnLst>
+                                </p:cTn>
+                              </p:par>
+                              <p:par>
+                                <p:cTn id="75" presetID="10" presetClass="entr" presetSubtype="0" fill="hold" grpId="0" nodeType="withEffect">
+                                  <p:stCondLst>
+                                    <p:cond delay="0"/>
+                                  </p:stCondLst>
+                                  <p:childTnLst>
+                                    <p:set>
+                                      <p:cBhvr>
+                                        <p:cTn id="76" dur="1" fill="hold">
+                                          <p:stCondLst>
+                                            <p:cond delay="0"/>
+                                          </p:stCondLst>
+                                        </p:cTn>
+                                        <p:tgtEl>
+                                          <p:spTgt spid="39"/>
+                                        </p:tgtEl>
+                                        <p:attrNameLst>
+                                          <p:attrName>style.visibility</p:attrName>
+                                        </p:attrNameLst>
+                                      </p:cBhvr>
+                                      <p:to>
+                                        <p:strVal val="visible"/>
+                                      </p:to>
+                                    </p:set>
+                                    <p:animEffect transition="in" filter="fade">
+                                      <p:cBhvr>
+                                        <p:cTn id="77" dur="500"/>
+                                        <p:tgtEl>
+                                          <p:spTgt spid="39"/>
+                                        </p:tgtEl>
+                                      </p:cBhvr>
+                                    </p:animEffect>
+                                  </p:childTnLst>
+                                </p:cTn>
+                              </p:par>
+                            </p:childTnLst>
+                          </p:cTn>
+                        </p:par>
+                      </p:childTnLst>
+                    </p:cTn>
+                  </p:par>
+                </p:childTnLst>
+              </p:cTn>
+              <p:prevCondLst>
+                <p:cond evt="onPrev" delay="0">
+                  <p:tgtEl>
+                    <p:sldTgt/>
+                  </p:tgtEl>
+                </p:cond>
+              </p:prevCondLst>
+              <p:nextCondLst>
+                <p:cond evt="onNext" delay="0">
+                  <p:tgtEl>
+                    <p:sldTgt/>
+                  </p:tgtEl>
+                </p:cond>
+              </p:nextCondLst>
+            </p:seq>
+          </p:childTnLst>
+        </p:cTn>
+      </p:par>
+    </p:tnLst>
+    <p:bldLst>
+      <p:bldP spid="8" grpId="0"/>
+      <p:bldP spid="9" grpId="0"/>
+      <p:bldP spid="10" grpId="0"/>
+      <p:bldP spid="11" grpId="0"/>
+      <p:bldP spid="12" grpId="0"/>
+      <p:bldP spid="13" grpId="0"/>
+      <p:bldP spid="14" grpId="0"/>
+      <p:bldP spid="15" grpId="0"/>
+      <p:bldP spid="16" grpId="0"/>
+      <p:bldP spid="17" grpId="0"/>
+      <p:bldP spid="33" grpId="0"/>
+      <p:bldP spid="34" grpId="0"/>
+      <p:bldP spid="35" grpId="0"/>
+      <p:bldP spid="36" grpId="0"/>
+      <p:bldP spid="37" grpId="0"/>
+      <p:bldP spid="38" grpId="0"/>
+      <p:bldP spid="39" grpId="0"/>
+    </p:bldLst>
+  </p:timing>
+</p:sld>
+</file>
+
+<file path=ppt/slides/slide6.xml><?xml version="1.0" encoding="utf-8"?>
 <p:sld xmlns:a="http://schemas.openxmlformats.org/drawingml/2006/main" xmlns:r="http://schemas.openxmlformats.org/officeDocument/2006/relationships" xmlns:p="http://schemas.openxmlformats.org/presentationml/2006/main">
   <p:cSld>
     <p:spTree>
@@ -6830,7 +10618,7 @@
 </p:sld>
 </file>
 
-<file path=ppt/slides/slide6.xml><?xml version="1.0" encoding="utf-8"?>
+<file path=ppt/slides/slide7.xml><?xml version="1.0" encoding="utf-8"?>
 <p:sld xmlns:a="http://schemas.openxmlformats.org/drawingml/2006/main" xmlns:r="http://schemas.openxmlformats.org/officeDocument/2006/relationships" xmlns:p="http://schemas.openxmlformats.org/presentationml/2006/main">
   <p:cSld>
     <p:spTree>
@@ -13097,7 +16885,7 @@
 </p:sld>
 </file>
 
-<file path=ppt/slides/slide7.xml><?xml version="1.0" encoding="utf-8"?>
+<file path=ppt/slides/slide8.xml><?xml version="1.0" encoding="utf-8"?>
 <p:sld xmlns:a="http://schemas.openxmlformats.org/drawingml/2006/main" xmlns:r="http://schemas.openxmlformats.org/officeDocument/2006/relationships" xmlns:p="http://schemas.openxmlformats.org/presentationml/2006/main">
   <p:cSld>
     <p:spTree>
@@ -13771,7 +17559,7 @@
 </p:sld>
 </file>
 
-<file path=ppt/slides/slide8.xml><?xml version="1.0" encoding="utf-8"?>
+<file path=ppt/slides/slide9.xml><?xml version="1.0" encoding="utf-8"?>
 <p:sld xmlns:a="http://schemas.openxmlformats.org/drawingml/2006/main" xmlns:r="http://schemas.openxmlformats.org/officeDocument/2006/relationships" xmlns:p="http://schemas.openxmlformats.org/presentationml/2006/main">
   <p:cSld>
     <p:spTree>

--- a/Dokumente/Abschluss/Präsentation.pptx
+++ b/Dokumente/Abschluss/Präsentation.pptx
@@ -267,7 +267,7 @@
           <a:p>
             <a:fld id="{4E8BA868-D81B-4F26-A41C-24BC2A794736}" type="datetimeFigureOut">
               <a:rPr lang="de-DE" smtClean="0"/>
-              <a:t>17.03.2019</a:t>
+              <a:t>18.03.2019</a:t>
             </a:fld>
             <a:endParaRPr lang="de-DE"/>
           </a:p>
@@ -465,7 +465,7 @@
           <a:p>
             <a:fld id="{4E8BA868-D81B-4F26-A41C-24BC2A794736}" type="datetimeFigureOut">
               <a:rPr lang="de-DE" smtClean="0"/>
-              <a:t>17.03.2019</a:t>
+              <a:t>18.03.2019</a:t>
             </a:fld>
             <a:endParaRPr lang="de-DE"/>
           </a:p>
@@ -673,7 +673,7 @@
           <a:p>
             <a:fld id="{4E8BA868-D81B-4F26-A41C-24BC2A794736}" type="datetimeFigureOut">
               <a:rPr lang="de-DE" smtClean="0"/>
-              <a:t>17.03.2019</a:t>
+              <a:t>18.03.2019</a:t>
             </a:fld>
             <a:endParaRPr lang="de-DE"/>
           </a:p>
@@ -871,7 +871,7 @@
           <a:p>
             <a:fld id="{4E8BA868-D81B-4F26-A41C-24BC2A794736}" type="datetimeFigureOut">
               <a:rPr lang="de-DE" smtClean="0"/>
-              <a:t>17.03.2019</a:t>
+              <a:t>18.03.2019</a:t>
             </a:fld>
             <a:endParaRPr lang="de-DE"/>
           </a:p>
@@ -1146,7 +1146,7 @@
           <a:p>
             <a:fld id="{4E8BA868-D81B-4F26-A41C-24BC2A794736}" type="datetimeFigureOut">
               <a:rPr lang="de-DE" smtClean="0"/>
-              <a:t>17.03.2019</a:t>
+              <a:t>18.03.2019</a:t>
             </a:fld>
             <a:endParaRPr lang="de-DE"/>
           </a:p>
@@ -1411,7 +1411,7 @@
           <a:p>
             <a:fld id="{4E8BA868-D81B-4F26-A41C-24BC2A794736}" type="datetimeFigureOut">
               <a:rPr lang="de-DE" smtClean="0"/>
-              <a:t>17.03.2019</a:t>
+              <a:t>18.03.2019</a:t>
             </a:fld>
             <a:endParaRPr lang="de-DE"/>
           </a:p>
@@ -1823,7 +1823,7 @@
           <a:p>
             <a:fld id="{4E8BA868-D81B-4F26-A41C-24BC2A794736}" type="datetimeFigureOut">
               <a:rPr lang="de-DE" smtClean="0"/>
-              <a:t>17.03.2019</a:t>
+              <a:t>18.03.2019</a:t>
             </a:fld>
             <a:endParaRPr lang="de-DE"/>
           </a:p>
@@ -1964,7 +1964,7 @@
           <a:p>
             <a:fld id="{4E8BA868-D81B-4F26-A41C-24BC2A794736}" type="datetimeFigureOut">
               <a:rPr lang="de-DE" smtClean="0"/>
-              <a:t>17.03.2019</a:t>
+              <a:t>18.03.2019</a:t>
             </a:fld>
             <a:endParaRPr lang="de-DE"/>
           </a:p>
@@ -2077,7 +2077,7 @@
           <a:p>
             <a:fld id="{4E8BA868-D81B-4F26-A41C-24BC2A794736}" type="datetimeFigureOut">
               <a:rPr lang="de-DE" smtClean="0"/>
-              <a:t>17.03.2019</a:t>
+              <a:t>18.03.2019</a:t>
             </a:fld>
             <a:endParaRPr lang="de-DE"/>
           </a:p>
@@ -2388,7 +2388,7 @@
           <a:p>
             <a:fld id="{4E8BA868-D81B-4F26-A41C-24BC2A794736}" type="datetimeFigureOut">
               <a:rPr lang="de-DE" smtClean="0"/>
-              <a:t>17.03.2019</a:t>
+              <a:t>18.03.2019</a:t>
             </a:fld>
             <a:endParaRPr lang="de-DE"/>
           </a:p>
@@ -2676,7 +2676,7 @@
           <a:p>
             <a:fld id="{4E8BA868-D81B-4F26-A41C-24BC2A794736}" type="datetimeFigureOut">
               <a:rPr lang="de-DE" smtClean="0"/>
-              <a:t>17.03.2019</a:t>
+              <a:t>18.03.2019</a:t>
             </a:fld>
             <a:endParaRPr lang="de-DE"/>
           </a:p>
@@ -2917,7 +2917,7 @@
           <a:p>
             <a:fld id="{4E8BA868-D81B-4F26-A41C-24BC2A794736}" type="datetimeFigureOut">
               <a:rPr lang="de-DE" smtClean="0"/>
-              <a:t>17.03.2019</a:t>
+              <a:t>18.03.2019</a:t>
             </a:fld>
             <a:endParaRPr lang="de-DE"/>
           </a:p>
@@ -17627,16 +17627,28 @@
           <a:p>
             <a:r>
               <a:rPr lang="de-DE" dirty="0"/>
-              <a:t>X </a:t>
+              <a:t>1.096 </a:t>
             </a:r>
             <a:r>
               <a:rPr lang="de-DE" dirty="0" err="1"/>
-              <a:t>commits</a:t>
+              <a:t>Commits</a:t>
             </a:r>
+            <a:endParaRPr lang="de-DE" dirty="0"/>
+          </a:p>
+          <a:p>
             <a:r>
               <a:rPr lang="de-DE" dirty="0"/>
-              <a:t> etc.</a:t>
+              <a:t>114 Klassen und Schnittstellen</a:t>
             </a:r>
+          </a:p>
+          <a:p>
+            <a:r>
+              <a:rPr lang="de-DE" dirty="0"/>
+              <a:t>über 20.000 Zeilen Quellcode</a:t>
+            </a:r>
+          </a:p>
+          <a:p>
+            <a:endParaRPr lang="de-DE" dirty="0"/>
           </a:p>
         </p:txBody>
       </p:sp>
@@ -17662,7 +17674,7 @@
         </p:blipFill>
         <p:spPr>
           <a:xfrm>
-            <a:off x="1720792" y="4118434"/>
+            <a:off x="1720792" y="3959043"/>
             <a:ext cx="8915400" cy="2264049"/>
           </a:xfrm>
           <a:prstGeom prst="rect">
@@ -17689,7 +17701,7 @@
         </p:nvGrpSpPr>
         <p:grpSpPr>
           <a:xfrm>
-            <a:off x="3862012" y="4389399"/>
+            <a:off x="3862012" y="4225769"/>
             <a:ext cx="5212080" cy="1699260"/>
             <a:chOff x="3101340" y="3223260"/>
             <a:chExt cx="5212080" cy="1699260"/>
@@ -17899,7 +17911,7 @@
                             </p:stCondLst>
                             <p:childTnLst>
                               <p:par>
-                                <p:cTn id="5" presetID="10" presetClass="entr" presetSubtype="0" fill="hold" nodeType="clickEffect">
+                                <p:cTn id="5" presetID="10" presetClass="entr" presetSubtype="0" fill="hold" grpId="0" nodeType="clickEffect">
                                   <p:stCondLst>
                                     <p:cond delay="0"/>
                                   </p:stCondLst>
@@ -17912,7 +17924,11 @@
                                           </p:stCondLst>
                                         </p:cTn>
                                         <p:tgtEl>
-                                          <p:spTgt spid="11"/>
+                                          <p:spTgt spid="3">
+                                            <p:txEl>
+                                              <p:pRg st="0" end="0"/>
+                                            </p:txEl>
+                                          </p:spTgt>
                                         </p:tgtEl>
                                         <p:attrNameLst>
                                           <p:attrName>style.visibility</p:attrName>
@@ -17925,6 +17941,220 @@
                                     <p:animEffect transition="in" filter="fade">
                                       <p:cBhvr>
                                         <p:cTn id="7" dur="500"/>
+                                        <p:tgtEl>
+                                          <p:spTgt spid="3">
+                                            <p:txEl>
+                                              <p:pRg st="0" end="0"/>
+                                            </p:txEl>
+                                          </p:spTgt>
+                                        </p:tgtEl>
+                                      </p:cBhvr>
+                                    </p:animEffect>
+                                  </p:childTnLst>
+                                </p:cTn>
+                              </p:par>
+                              <p:par>
+                                <p:cTn id="8" presetID="10" presetClass="entr" presetSubtype="0" fill="hold" nodeType="withEffect">
+                                  <p:stCondLst>
+                                    <p:cond delay="0"/>
+                                  </p:stCondLst>
+                                  <p:childTnLst>
+                                    <p:set>
+                                      <p:cBhvr>
+                                        <p:cTn id="9" dur="1" fill="hold">
+                                          <p:stCondLst>
+                                            <p:cond delay="0"/>
+                                          </p:stCondLst>
+                                        </p:cTn>
+                                        <p:tgtEl>
+                                          <p:spTgt spid="4"/>
+                                        </p:tgtEl>
+                                        <p:attrNameLst>
+                                          <p:attrName>style.visibility</p:attrName>
+                                        </p:attrNameLst>
+                                      </p:cBhvr>
+                                      <p:to>
+                                        <p:strVal val="visible"/>
+                                      </p:to>
+                                    </p:set>
+                                    <p:animEffect transition="in" filter="fade">
+                                      <p:cBhvr>
+                                        <p:cTn id="10" dur="500"/>
+                                        <p:tgtEl>
+                                          <p:spTgt spid="4"/>
+                                        </p:tgtEl>
+                                      </p:cBhvr>
+                                    </p:animEffect>
+                                  </p:childTnLst>
+                                </p:cTn>
+                              </p:par>
+                            </p:childTnLst>
+                          </p:cTn>
+                        </p:par>
+                      </p:childTnLst>
+                    </p:cTn>
+                  </p:par>
+                  <p:par>
+                    <p:cTn id="11" fill="hold">
+                      <p:stCondLst>
+                        <p:cond delay="indefinite"/>
+                      </p:stCondLst>
+                      <p:childTnLst>
+                        <p:par>
+                          <p:cTn id="12" fill="hold">
+                            <p:stCondLst>
+                              <p:cond delay="0"/>
+                            </p:stCondLst>
+                            <p:childTnLst>
+                              <p:par>
+                                <p:cTn id="13" presetID="10" presetClass="entr" presetSubtype="0" fill="hold" grpId="0" nodeType="clickEffect">
+                                  <p:stCondLst>
+                                    <p:cond delay="0"/>
+                                  </p:stCondLst>
+                                  <p:childTnLst>
+                                    <p:set>
+                                      <p:cBhvr>
+                                        <p:cTn id="14" dur="1" fill="hold">
+                                          <p:stCondLst>
+                                            <p:cond delay="0"/>
+                                          </p:stCondLst>
+                                        </p:cTn>
+                                        <p:tgtEl>
+                                          <p:spTgt spid="3">
+                                            <p:txEl>
+                                              <p:pRg st="1" end="1"/>
+                                            </p:txEl>
+                                          </p:spTgt>
+                                        </p:tgtEl>
+                                        <p:attrNameLst>
+                                          <p:attrName>style.visibility</p:attrName>
+                                        </p:attrNameLst>
+                                      </p:cBhvr>
+                                      <p:to>
+                                        <p:strVal val="visible"/>
+                                      </p:to>
+                                    </p:set>
+                                    <p:animEffect transition="in" filter="fade">
+                                      <p:cBhvr>
+                                        <p:cTn id="15" dur="500"/>
+                                        <p:tgtEl>
+                                          <p:spTgt spid="3">
+                                            <p:txEl>
+                                              <p:pRg st="1" end="1"/>
+                                            </p:txEl>
+                                          </p:spTgt>
+                                        </p:tgtEl>
+                                      </p:cBhvr>
+                                    </p:animEffect>
+                                  </p:childTnLst>
+                                </p:cTn>
+                              </p:par>
+                            </p:childTnLst>
+                          </p:cTn>
+                        </p:par>
+                      </p:childTnLst>
+                    </p:cTn>
+                  </p:par>
+                  <p:par>
+                    <p:cTn id="16" fill="hold">
+                      <p:stCondLst>
+                        <p:cond delay="indefinite"/>
+                      </p:stCondLst>
+                      <p:childTnLst>
+                        <p:par>
+                          <p:cTn id="17" fill="hold">
+                            <p:stCondLst>
+                              <p:cond delay="0"/>
+                            </p:stCondLst>
+                            <p:childTnLst>
+                              <p:par>
+                                <p:cTn id="18" presetID="10" presetClass="entr" presetSubtype="0" fill="hold" grpId="0" nodeType="clickEffect">
+                                  <p:stCondLst>
+                                    <p:cond delay="0"/>
+                                  </p:stCondLst>
+                                  <p:childTnLst>
+                                    <p:set>
+                                      <p:cBhvr>
+                                        <p:cTn id="19" dur="1" fill="hold">
+                                          <p:stCondLst>
+                                            <p:cond delay="0"/>
+                                          </p:stCondLst>
+                                        </p:cTn>
+                                        <p:tgtEl>
+                                          <p:spTgt spid="3">
+                                            <p:txEl>
+                                              <p:pRg st="2" end="2"/>
+                                            </p:txEl>
+                                          </p:spTgt>
+                                        </p:tgtEl>
+                                        <p:attrNameLst>
+                                          <p:attrName>style.visibility</p:attrName>
+                                        </p:attrNameLst>
+                                      </p:cBhvr>
+                                      <p:to>
+                                        <p:strVal val="visible"/>
+                                      </p:to>
+                                    </p:set>
+                                    <p:animEffect transition="in" filter="fade">
+                                      <p:cBhvr>
+                                        <p:cTn id="20" dur="500"/>
+                                        <p:tgtEl>
+                                          <p:spTgt spid="3">
+                                            <p:txEl>
+                                              <p:pRg st="2" end="2"/>
+                                            </p:txEl>
+                                          </p:spTgt>
+                                        </p:tgtEl>
+                                      </p:cBhvr>
+                                    </p:animEffect>
+                                  </p:childTnLst>
+                                </p:cTn>
+                              </p:par>
+                            </p:childTnLst>
+                          </p:cTn>
+                        </p:par>
+                      </p:childTnLst>
+                    </p:cTn>
+                  </p:par>
+                  <p:par>
+                    <p:cTn id="21" fill="hold">
+                      <p:stCondLst>
+                        <p:cond delay="indefinite"/>
+                      </p:stCondLst>
+                      <p:childTnLst>
+                        <p:par>
+                          <p:cTn id="22" fill="hold">
+                            <p:stCondLst>
+                              <p:cond delay="0"/>
+                            </p:stCondLst>
+                            <p:childTnLst>
+                              <p:par>
+                                <p:cTn id="23" presetID="10" presetClass="entr" presetSubtype="0" fill="hold" nodeType="clickEffect">
+                                  <p:stCondLst>
+                                    <p:cond delay="0"/>
+                                  </p:stCondLst>
+                                  <p:childTnLst>
+                                    <p:set>
+                                      <p:cBhvr>
+                                        <p:cTn id="24" dur="1" fill="hold">
+                                          <p:stCondLst>
+                                            <p:cond delay="0"/>
+                                          </p:stCondLst>
+                                        </p:cTn>
+                                        <p:tgtEl>
+                                          <p:spTgt spid="11"/>
+                                        </p:tgtEl>
+                                        <p:attrNameLst>
+                                          <p:attrName>style.visibility</p:attrName>
+                                        </p:attrNameLst>
+                                      </p:cBhvr>
+                                      <p:to>
+                                        <p:strVal val="visible"/>
+                                      </p:to>
+                                    </p:set>
+                                    <p:animEffect transition="in" filter="fade">
+                                      <p:cBhvr>
+                                        <p:cTn id="25" dur="500"/>
                                         <p:tgtEl>
                                           <p:spTgt spid="11"/>
                                         </p:tgtEl>
@@ -17960,6 +18190,9 @@
         </p:cTn>
       </p:par>
     </p:tnLst>
+    <p:bldLst>
+      <p:bldP spid="3" grpId="0" uiExpand="1" build="p"/>
+    </p:bldLst>
   </p:timing>
 </p:sld>
 </file>
